--- a/Capstone Project - PRESENTATION.pptx
+++ b/Capstone Project - PRESENTATION.pptx
@@ -3198,7 +3198,7 @@
           <a:noFill/>
           <a:extLst>
             <a:ext uri="{909E8E84-426E-40dd-AFC4-6F175D3DCCD1}">
-              <a14:hiddenFill xmlns:a14="http://schemas.microsoft.com/office/drawing/2010/main" xmlns="">
+              <a14:hiddenFill xmlns="" xmlns:a14="http://schemas.microsoft.com/office/drawing/2010/main">
                 <a:solidFill>
                   <a:srgbClr val="FFFFFF"/>
                 </a:solidFill>
@@ -3257,7 +3257,7 @@
             </a:ln>
             <a:extLst>
               <a:ext uri="{91240B29-F687-4f45-9708-019B960494DF}">
-                <a14:hiddenLine xmlns:a14="http://schemas.microsoft.com/office/drawing/2010/main" xmlns="" w="9525">
+                <a14:hiddenLine xmlns="" xmlns:a14="http://schemas.microsoft.com/office/drawing/2010/main" w="9525">
                   <a:solidFill>
                     <a:srgbClr val="000000"/>
                   </a:solidFill>
@@ -3347,7 +3347,7 @@
             </a:ln>
             <a:extLst>
               <a:ext uri="{91240B29-F687-4f45-9708-019B960494DF}">
-                <a14:hiddenLine xmlns:a14="http://schemas.microsoft.com/office/drawing/2010/main" xmlns="" w="9525">
+                <a14:hiddenLine xmlns="" xmlns:a14="http://schemas.microsoft.com/office/drawing/2010/main" w="9525">
                   <a:solidFill>
                     <a:srgbClr val="000000"/>
                   </a:solidFill>
@@ -3437,7 +3437,7 @@
             </a:ln>
             <a:extLst>
               <a:ext uri="{91240B29-F687-4f45-9708-019B960494DF}">
-                <a14:hiddenLine xmlns:a14="http://schemas.microsoft.com/office/drawing/2010/main" xmlns="" w="9525">
+                <a14:hiddenLine xmlns="" xmlns:a14="http://schemas.microsoft.com/office/drawing/2010/main" w="9525">
                   <a:solidFill>
                     <a:srgbClr val="000000"/>
                   </a:solidFill>
@@ -3471,7 +3471,7 @@
             </a:ln>
             <a:extLst>
               <a:ext uri="{91240B29-F687-4f45-9708-019B960494DF}">
-                <a14:hiddenLine xmlns:a14="http://schemas.microsoft.com/office/drawing/2010/main" xmlns="" w="9525">
+                <a14:hiddenLine xmlns="" xmlns:a14="http://schemas.microsoft.com/office/drawing/2010/main" w="9525">
                   <a:solidFill>
                     <a:srgbClr val="000000"/>
                   </a:solidFill>
@@ -3561,7 +3561,7 @@
             </a:ln>
             <a:extLst>
               <a:ext uri="{91240B29-F687-4f45-9708-019B960494DF}">
-                <a14:hiddenLine xmlns:a14="http://schemas.microsoft.com/office/drawing/2010/main" xmlns="" w="9525">
+                <a14:hiddenLine xmlns="" xmlns:a14="http://schemas.microsoft.com/office/drawing/2010/main" w="9525">
                   <a:solidFill>
                     <a:srgbClr val="000000"/>
                   </a:solidFill>
@@ -3623,7 +3623,7 @@
             </a:ln>
             <a:extLst>
               <a:ext uri="{91240B29-F687-4f45-9708-019B960494DF}">
-                <a14:hiddenLine xmlns:a14="http://schemas.microsoft.com/office/drawing/2010/main" xmlns="" w="9525">
+                <a14:hiddenLine xmlns="" xmlns:a14="http://schemas.microsoft.com/office/drawing/2010/main" w="9525">
                   <a:solidFill>
                     <a:srgbClr val="000000"/>
                   </a:solidFill>
@@ -3685,7 +3685,7 @@
             </a:ln>
             <a:extLst>
               <a:ext uri="{91240B29-F687-4f45-9708-019B960494DF}">
-                <a14:hiddenLine xmlns:a14="http://schemas.microsoft.com/office/drawing/2010/main" xmlns="" w="9525">
+                <a14:hiddenLine xmlns="" xmlns:a14="http://schemas.microsoft.com/office/drawing/2010/main" w="9525">
                   <a:solidFill>
                     <a:srgbClr val="000000"/>
                   </a:solidFill>
@@ -3775,7 +3775,7 @@
             </a:ln>
             <a:extLst>
               <a:ext uri="{91240B29-F687-4f45-9708-019B960494DF}">
-                <a14:hiddenLine xmlns:a14="http://schemas.microsoft.com/office/drawing/2010/main" xmlns="" w="9525">
+                <a14:hiddenLine xmlns="" xmlns:a14="http://schemas.microsoft.com/office/drawing/2010/main" w="9525">
                   <a:solidFill>
                     <a:srgbClr val="000000"/>
                   </a:solidFill>
@@ -3837,7 +3837,7 @@
             </a:ln>
             <a:extLst>
               <a:ext uri="{91240B29-F687-4f45-9708-019B960494DF}">
-                <a14:hiddenLine xmlns:a14="http://schemas.microsoft.com/office/drawing/2010/main" xmlns="" w="9525">
+                <a14:hiddenLine xmlns="" xmlns:a14="http://schemas.microsoft.com/office/drawing/2010/main" w="9525">
                   <a:solidFill>
                     <a:srgbClr val="000000"/>
                   </a:solidFill>
@@ -3899,7 +3899,7 @@
             </a:ln>
             <a:extLst>
               <a:ext uri="{91240B29-F687-4f45-9708-019B960494DF}">
-                <a14:hiddenLine xmlns:a14="http://schemas.microsoft.com/office/drawing/2010/main" xmlns="" w="9525">
+                <a14:hiddenLine xmlns="" xmlns:a14="http://schemas.microsoft.com/office/drawing/2010/main" w="9525">
                   <a:solidFill>
                     <a:srgbClr val="000000"/>
                   </a:solidFill>
@@ -3989,7 +3989,7 @@
             </a:ln>
             <a:extLst>
               <a:ext uri="{91240B29-F687-4f45-9708-019B960494DF}">
-                <a14:hiddenLine xmlns:a14="http://schemas.microsoft.com/office/drawing/2010/main" xmlns="" w="9525">
+                <a14:hiddenLine xmlns="" xmlns:a14="http://schemas.microsoft.com/office/drawing/2010/main" w="9525">
                   <a:solidFill>
                     <a:srgbClr val="000000"/>
                   </a:solidFill>
@@ -4079,7 +4079,7 @@
             </a:ln>
             <a:extLst>
               <a:ext uri="{91240B29-F687-4f45-9708-019B960494DF}">
-                <a14:hiddenLine xmlns:a14="http://schemas.microsoft.com/office/drawing/2010/main" xmlns="" w="9525">
+                <a14:hiddenLine xmlns="" xmlns:a14="http://schemas.microsoft.com/office/drawing/2010/main" w="9525">
                   <a:solidFill>
                     <a:srgbClr val="000000"/>
                   </a:solidFill>
@@ -4141,7 +4141,7 @@
             </a:ln>
             <a:extLst>
               <a:ext uri="{91240B29-F687-4f45-9708-019B960494DF}">
-                <a14:hiddenLine xmlns:a14="http://schemas.microsoft.com/office/drawing/2010/main" xmlns="" w="9525">
+                <a14:hiddenLine xmlns="" xmlns:a14="http://schemas.microsoft.com/office/drawing/2010/main" w="9525">
                   <a:solidFill>
                     <a:srgbClr val="000000"/>
                   </a:solidFill>
@@ -4251,7 +4251,7 @@
             </a:ln>
             <a:extLst>
               <a:ext uri="{91240B29-F687-4f45-9708-019B960494DF}">
-                <a14:hiddenLine xmlns:a14="http://schemas.microsoft.com/office/drawing/2010/main" xmlns="" w="9525">
+                <a14:hiddenLine xmlns="" xmlns:a14="http://schemas.microsoft.com/office/drawing/2010/main" w="9525">
                   <a:solidFill>
                     <a:srgbClr val="000000"/>
                   </a:solidFill>
@@ -4313,7 +4313,7 @@
             </a:ln>
             <a:extLst>
               <a:ext uri="{91240B29-F687-4f45-9708-019B960494DF}">
-                <a14:hiddenLine xmlns:a14="http://schemas.microsoft.com/office/drawing/2010/main" xmlns="" w="9525">
+                <a14:hiddenLine xmlns="" xmlns:a14="http://schemas.microsoft.com/office/drawing/2010/main" w="9525">
                   <a:solidFill>
                     <a:srgbClr val="000000"/>
                   </a:solidFill>
@@ -4403,7 +4403,7 @@
             </a:ln>
             <a:extLst>
               <a:ext uri="{91240B29-F687-4f45-9708-019B960494DF}">
-                <a14:hiddenLine xmlns:a14="http://schemas.microsoft.com/office/drawing/2010/main" xmlns="" w="9525">
+                <a14:hiddenLine xmlns="" xmlns:a14="http://schemas.microsoft.com/office/drawing/2010/main" w="9525">
                   <a:solidFill>
                     <a:srgbClr val="000000"/>
                   </a:solidFill>
@@ -4493,7 +4493,7 @@
             </a:ln>
             <a:extLst>
               <a:ext uri="{91240B29-F687-4f45-9708-019B960494DF}">
-                <a14:hiddenLine xmlns:a14="http://schemas.microsoft.com/office/drawing/2010/main" xmlns="" w="9525">
+                <a14:hiddenLine xmlns="" xmlns:a14="http://schemas.microsoft.com/office/drawing/2010/main" w="9525">
                   <a:solidFill>
                     <a:srgbClr val="000000"/>
                   </a:solidFill>
@@ -4555,7 +4555,7 @@
             </a:ln>
             <a:extLst>
               <a:ext uri="{91240B29-F687-4f45-9708-019B960494DF}">
-                <a14:hiddenLine xmlns:a14="http://schemas.microsoft.com/office/drawing/2010/main" xmlns="" w="9525">
+                <a14:hiddenLine xmlns="" xmlns:a14="http://schemas.microsoft.com/office/drawing/2010/main" w="9525">
                   <a:solidFill>
                     <a:srgbClr val="000000"/>
                   </a:solidFill>
@@ -4645,7 +4645,7 @@
             </a:ln>
             <a:extLst>
               <a:ext uri="{91240B29-F687-4f45-9708-019B960494DF}">
-                <a14:hiddenLine xmlns:a14="http://schemas.microsoft.com/office/drawing/2010/main" xmlns="" w="9525">
+                <a14:hiddenLine xmlns="" xmlns:a14="http://schemas.microsoft.com/office/drawing/2010/main" w="9525">
                   <a:solidFill>
                     <a:srgbClr val="000000"/>
                   </a:solidFill>
@@ -4735,7 +4735,7 @@
             </a:ln>
             <a:extLst>
               <a:ext uri="{91240B29-F687-4f45-9708-019B960494DF}">
-                <a14:hiddenLine xmlns:a14="http://schemas.microsoft.com/office/drawing/2010/main" xmlns="" w="9525">
+                <a14:hiddenLine xmlns="" xmlns:a14="http://schemas.microsoft.com/office/drawing/2010/main" w="9525">
                   <a:solidFill>
                     <a:srgbClr val="000000"/>
                   </a:solidFill>
@@ -4791,7 +4791,7 @@
             </a:ln>
             <a:extLst>
               <a:ext uri="{91240B29-F687-4f45-9708-019B960494DF}">
-                <a14:hiddenLine xmlns:a14="http://schemas.microsoft.com/office/drawing/2010/main" xmlns="" w="9525">
+                <a14:hiddenLine xmlns="" xmlns:a14="http://schemas.microsoft.com/office/drawing/2010/main" w="9525">
                   <a:solidFill>
                     <a:srgbClr val="000000"/>
                   </a:solidFill>
@@ -4881,7 +4881,7 @@
             </a:ln>
             <a:extLst>
               <a:ext uri="{91240B29-F687-4f45-9708-019B960494DF}">
-                <a14:hiddenLine xmlns:a14="http://schemas.microsoft.com/office/drawing/2010/main" xmlns="" w="9525">
+                <a14:hiddenLine xmlns="" xmlns:a14="http://schemas.microsoft.com/office/drawing/2010/main" w="9525">
                   <a:solidFill>
                     <a:srgbClr val="000000"/>
                   </a:solidFill>
@@ -4937,7 +4937,7 @@
             </a:ln>
             <a:extLst>
               <a:ext uri="{91240B29-F687-4f45-9708-019B960494DF}">
-                <a14:hiddenLine xmlns:a14="http://schemas.microsoft.com/office/drawing/2010/main" xmlns="" w="9525">
+                <a14:hiddenLine xmlns="" xmlns:a14="http://schemas.microsoft.com/office/drawing/2010/main" w="9525">
                   <a:solidFill>
                     <a:srgbClr val="000000"/>
                   </a:solidFill>
@@ -5027,7 +5027,7 @@
             </a:ln>
             <a:extLst>
               <a:ext uri="{91240B29-F687-4f45-9708-019B960494DF}">
-                <a14:hiddenLine xmlns:a14="http://schemas.microsoft.com/office/drawing/2010/main" xmlns="" w="9525">
+                <a14:hiddenLine xmlns="" xmlns:a14="http://schemas.microsoft.com/office/drawing/2010/main" w="9525">
                   <a:solidFill>
                     <a:srgbClr val="000000"/>
                   </a:solidFill>
@@ -5095,7 +5095,7 @@
             </a:ln>
             <a:extLst>
               <a:ext uri="{91240B29-F687-4f45-9708-019B960494DF}">
-                <a14:hiddenLine xmlns:a14="http://schemas.microsoft.com/office/drawing/2010/main" xmlns="" w="9525">
+                <a14:hiddenLine xmlns="" xmlns:a14="http://schemas.microsoft.com/office/drawing/2010/main" w="9525">
                   <a:solidFill>
                     <a:srgbClr val="000000"/>
                   </a:solidFill>
@@ -5185,7 +5185,7 @@
             </a:ln>
             <a:extLst>
               <a:ext uri="{91240B29-F687-4f45-9708-019B960494DF}">
-                <a14:hiddenLine xmlns:a14="http://schemas.microsoft.com/office/drawing/2010/main" xmlns="" w="9525">
+                <a14:hiddenLine xmlns="" xmlns:a14="http://schemas.microsoft.com/office/drawing/2010/main" w="9525">
                   <a:solidFill>
                     <a:srgbClr val="000000"/>
                   </a:solidFill>
@@ -5253,7 +5253,7 @@
             </a:ln>
             <a:extLst>
               <a:ext uri="{91240B29-F687-4f45-9708-019B960494DF}">
-                <a14:hiddenLine xmlns:a14="http://schemas.microsoft.com/office/drawing/2010/main" xmlns="" w="9525">
+                <a14:hiddenLine xmlns="" xmlns:a14="http://schemas.microsoft.com/office/drawing/2010/main" w="9525">
                   <a:solidFill>
                     <a:srgbClr val="000000"/>
                   </a:solidFill>
@@ -5343,7 +5343,7 @@
             </a:ln>
             <a:extLst>
               <a:ext uri="{91240B29-F687-4f45-9708-019B960494DF}">
-                <a14:hiddenLine xmlns:a14="http://schemas.microsoft.com/office/drawing/2010/main" xmlns="" w="9525">
+                <a14:hiddenLine xmlns="" xmlns:a14="http://schemas.microsoft.com/office/drawing/2010/main" w="9525">
                   <a:solidFill>
                     <a:srgbClr val="000000"/>
                   </a:solidFill>
@@ -5377,7 +5377,7 @@
             </a:ln>
             <a:extLst>
               <a:ext uri="{91240B29-F687-4f45-9708-019B960494DF}">
-                <a14:hiddenLine xmlns:a14="http://schemas.microsoft.com/office/drawing/2010/main" xmlns="" w="9525">
+                <a14:hiddenLine xmlns="" xmlns:a14="http://schemas.microsoft.com/office/drawing/2010/main" w="9525">
                   <a:solidFill>
                     <a:srgbClr val="000000"/>
                   </a:solidFill>
@@ -5467,7 +5467,7 @@
             </a:ln>
             <a:extLst>
               <a:ext uri="{91240B29-F687-4f45-9708-019B960494DF}">
-                <a14:hiddenLine xmlns:a14="http://schemas.microsoft.com/office/drawing/2010/main" xmlns="" w="9525">
+                <a14:hiddenLine xmlns="" xmlns:a14="http://schemas.microsoft.com/office/drawing/2010/main" w="9525">
                   <a:solidFill>
                     <a:srgbClr val="000000"/>
                   </a:solidFill>
@@ -5529,7 +5529,7 @@
             </a:ln>
             <a:extLst>
               <a:ext uri="{91240B29-F687-4f45-9708-019B960494DF}">
-                <a14:hiddenLine xmlns:a14="http://schemas.microsoft.com/office/drawing/2010/main" xmlns="" w="9525">
+                <a14:hiddenLine xmlns="" xmlns:a14="http://schemas.microsoft.com/office/drawing/2010/main" w="9525">
                   <a:solidFill>
                     <a:srgbClr val="000000"/>
                   </a:solidFill>
@@ -5591,7 +5591,7 @@
             </a:ln>
             <a:extLst>
               <a:ext uri="{91240B29-F687-4f45-9708-019B960494DF}">
-                <a14:hiddenLine xmlns:a14="http://schemas.microsoft.com/office/drawing/2010/main" xmlns="" w="9525">
+                <a14:hiddenLine xmlns="" xmlns:a14="http://schemas.microsoft.com/office/drawing/2010/main" w="9525">
                   <a:solidFill>
                     <a:srgbClr val="000000"/>
                   </a:solidFill>
@@ -5681,7 +5681,7 @@
             </a:ln>
             <a:extLst>
               <a:ext uri="{91240B29-F687-4f45-9708-019B960494DF}">
-                <a14:hiddenLine xmlns:a14="http://schemas.microsoft.com/office/drawing/2010/main" xmlns="" w="9525">
+                <a14:hiddenLine xmlns="" xmlns:a14="http://schemas.microsoft.com/office/drawing/2010/main" w="9525">
                   <a:solidFill>
                     <a:srgbClr val="000000"/>
                   </a:solidFill>
@@ -5749,7 +5749,7 @@
             </a:ln>
             <a:extLst>
               <a:ext uri="{91240B29-F687-4f45-9708-019B960494DF}">
-                <a14:hiddenLine xmlns:a14="http://schemas.microsoft.com/office/drawing/2010/main" xmlns="" w="9525">
+                <a14:hiddenLine xmlns="" xmlns:a14="http://schemas.microsoft.com/office/drawing/2010/main" w="9525">
                   <a:solidFill>
                     <a:srgbClr val="000000"/>
                   </a:solidFill>
@@ -5811,7 +5811,7 @@
             </a:ln>
             <a:extLst>
               <a:ext uri="{91240B29-F687-4f45-9708-019B960494DF}">
-                <a14:hiddenLine xmlns:a14="http://schemas.microsoft.com/office/drawing/2010/main" xmlns="" w="9525">
+                <a14:hiddenLine xmlns="" xmlns:a14="http://schemas.microsoft.com/office/drawing/2010/main" w="9525">
                   <a:solidFill>
                     <a:srgbClr val="000000"/>
                   </a:solidFill>
@@ -5901,7 +5901,7 @@
             </a:ln>
             <a:extLst>
               <a:ext uri="{91240B29-F687-4f45-9708-019B960494DF}">
-                <a14:hiddenLine xmlns:a14="http://schemas.microsoft.com/office/drawing/2010/main" xmlns="" w="9525">
+                <a14:hiddenLine xmlns="" xmlns:a14="http://schemas.microsoft.com/office/drawing/2010/main" w="9525">
                   <a:solidFill>
                     <a:srgbClr val="000000"/>
                   </a:solidFill>
@@ -5963,7 +5963,7 @@
             </a:ln>
             <a:extLst>
               <a:ext uri="{91240B29-F687-4f45-9708-019B960494DF}">
-                <a14:hiddenLine xmlns:a14="http://schemas.microsoft.com/office/drawing/2010/main" xmlns="" w="9525">
+                <a14:hiddenLine xmlns="" xmlns:a14="http://schemas.microsoft.com/office/drawing/2010/main" w="9525">
                   <a:solidFill>
                     <a:srgbClr val="000000"/>
                   </a:solidFill>
@@ -6053,7 +6053,7 @@
             </a:ln>
             <a:extLst>
               <a:ext uri="{91240B29-F687-4f45-9708-019B960494DF}">
-                <a14:hiddenLine xmlns:a14="http://schemas.microsoft.com/office/drawing/2010/main" xmlns="" w="9525">
+                <a14:hiddenLine xmlns="" xmlns:a14="http://schemas.microsoft.com/office/drawing/2010/main" w="9525">
                   <a:solidFill>
                     <a:srgbClr val="000000"/>
                   </a:solidFill>
@@ -6115,7 +6115,7 @@
             </a:ln>
             <a:extLst>
               <a:ext uri="{91240B29-F687-4f45-9708-019B960494DF}">
-                <a14:hiddenLine xmlns:a14="http://schemas.microsoft.com/office/drawing/2010/main" xmlns="" w="9525">
+                <a14:hiddenLine xmlns="" xmlns:a14="http://schemas.microsoft.com/office/drawing/2010/main" w="9525">
                   <a:solidFill>
                     <a:srgbClr val="000000"/>
                   </a:solidFill>
@@ -6205,7 +6205,7 @@
             </a:ln>
             <a:extLst>
               <a:ext uri="{91240B29-F687-4f45-9708-019B960494DF}">
-                <a14:hiddenLine xmlns:a14="http://schemas.microsoft.com/office/drawing/2010/main" xmlns="" w="9525">
+                <a14:hiddenLine xmlns="" xmlns:a14="http://schemas.microsoft.com/office/drawing/2010/main" w="9525">
                   <a:solidFill>
                     <a:srgbClr val="000000"/>
                   </a:solidFill>
@@ -6239,7 +6239,7 @@
             </a:ln>
             <a:extLst>
               <a:ext uri="{91240B29-F687-4f45-9708-019B960494DF}">
-                <a14:hiddenLine xmlns:a14="http://schemas.microsoft.com/office/drawing/2010/main" xmlns="" w="9525">
+                <a14:hiddenLine xmlns="" xmlns:a14="http://schemas.microsoft.com/office/drawing/2010/main" w="9525">
                   <a:solidFill>
                     <a:srgbClr val="000000"/>
                   </a:solidFill>
@@ -6304,7 +6304,7 @@
             </a:ln>
             <a:extLst>
               <a:ext uri="{91240B29-F687-4f45-9708-019B960494DF}">
-                <a14:hiddenLine xmlns:a14="http://schemas.microsoft.com/office/drawing/2010/main" xmlns="" w="9525">
+                <a14:hiddenLine xmlns="" xmlns:a14="http://schemas.microsoft.com/office/drawing/2010/main" w="9525">
                   <a:solidFill>
                     <a:srgbClr val="000000"/>
                   </a:solidFill>
@@ -6394,7 +6394,7 @@
             </a:ln>
             <a:extLst>
               <a:ext uri="{91240B29-F687-4f45-9708-019B960494DF}">
-                <a14:hiddenLine xmlns:a14="http://schemas.microsoft.com/office/drawing/2010/main" xmlns="" w="9525">
+                <a14:hiddenLine xmlns="" xmlns:a14="http://schemas.microsoft.com/office/drawing/2010/main" w="9525">
                   <a:solidFill>
                     <a:srgbClr val="000000"/>
                   </a:solidFill>
@@ -6456,7 +6456,7 @@
             </a:ln>
             <a:extLst>
               <a:ext uri="{91240B29-F687-4f45-9708-019B960494DF}">
-                <a14:hiddenLine xmlns:a14="http://schemas.microsoft.com/office/drawing/2010/main" xmlns="" w="9525">
+                <a14:hiddenLine xmlns="" xmlns:a14="http://schemas.microsoft.com/office/drawing/2010/main" w="9525">
                   <a:solidFill>
                     <a:srgbClr val="000000"/>
                   </a:solidFill>
@@ -6546,7 +6546,7 @@
             </a:ln>
             <a:extLst>
               <a:ext uri="{91240B29-F687-4f45-9708-019B960494DF}">
-                <a14:hiddenLine xmlns:a14="http://schemas.microsoft.com/office/drawing/2010/main" xmlns="" w="9525">
+                <a14:hiddenLine xmlns="" xmlns:a14="http://schemas.microsoft.com/office/drawing/2010/main" w="9525">
                   <a:solidFill>
                     <a:srgbClr val="000000"/>
                   </a:solidFill>
@@ -6636,7 +6636,7 @@
             </a:ln>
             <a:extLst>
               <a:ext uri="{91240B29-F687-4f45-9708-019B960494DF}">
-                <a14:hiddenLine xmlns:a14="http://schemas.microsoft.com/office/drawing/2010/main" xmlns="" w="9525">
+                <a14:hiddenLine xmlns="" xmlns:a14="http://schemas.microsoft.com/office/drawing/2010/main" w="9525">
                   <a:solidFill>
                     <a:srgbClr val="000000"/>
                   </a:solidFill>
@@ -6701,7 +6701,7 @@
             </a:ln>
             <a:extLst>
               <a:ext uri="{91240B29-F687-4f45-9708-019B960494DF}">
-                <a14:hiddenLine xmlns:a14="http://schemas.microsoft.com/office/drawing/2010/main" xmlns="" w="9525">
+                <a14:hiddenLine xmlns="" xmlns:a14="http://schemas.microsoft.com/office/drawing/2010/main" w="9525">
                   <a:solidFill>
                     <a:srgbClr val="000000"/>
                   </a:solidFill>
@@ -6763,7 +6763,7 @@
             </a:ln>
             <a:extLst>
               <a:ext uri="{91240B29-F687-4f45-9708-019B960494DF}">
-                <a14:hiddenLine xmlns:a14="http://schemas.microsoft.com/office/drawing/2010/main" xmlns="" w="9525">
+                <a14:hiddenLine xmlns="" xmlns:a14="http://schemas.microsoft.com/office/drawing/2010/main" w="9525">
                   <a:solidFill>
                     <a:srgbClr val="000000"/>
                   </a:solidFill>
@@ -6853,7 +6853,7 @@
             </a:ln>
             <a:extLst>
               <a:ext uri="{91240B29-F687-4f45-9708-019B960494DF}">
-                <a14:hiddenLine xmlns:a14="http://schemas.microsoft.com/office/drawing/2010/main" xmlns="" w="9525">
+                <a14:hiddenLine xmlns="" xmlns:a14="http://schemas.microsoft.com/office/drawing/2010/main" w="9525">
                   <a:solidFill>
                     <a:srgbClr val="000000"/>
                   </a:solidFill>
@@ -6943,7 +6943,7 @@
             </a:ln>
             <a:extLst>
               <a:ext uri="{91240B29-F687-4f45-9708-019B960494DF}">
-                <a14:hiddenLine xmlns:a14="http://schemas.microsoft.com/office/drawing/2010/main" xmlns="" w="9525">
+                <a14:hiddenLine xmlns="" xmlns:a14="http://schemas.microsoft.com/office/drawing/2010/main" w="9525">
                   <a:solidFill>
                     <a:srgbClr val="000000"/>
                   </a:solidFill>
@@ -7005,7 +7005,7 @@
             </a:ln>
             <a:extLst>
               <a:ext uri="{91240B29-F687-4f45-9708-019B960494DF}">
-                <a14:hiddenLine xmlns:a14="http://schemas.microsoft.com/office/drawing/2010/main" xmlns="" w="9525">
+                <a14:hiddenLine xmlns="" xmlns:a14="http://schemas.microsoft.com/office/drawing/2010/main" w="9525">
                   <a:solidFill>
                     <a:srgbClr val="000000"/>
                   </a:solidFill>
@@ -7125,7 +7125,7 @@
             </a:ln>
             <a:extLst>
               <a:ext uri="{91240B29-F687-4f45-9708-019B960494DF}">
-                <a14:hiddenLine xmlns:a14="http://schemas.microsoft.com/office/drawing/2010/main" xmlns="" w="9525">
+                <a14:hiddenLine xmlns="" xmlns:a14="http://schemas.microsoft.com/office/drawing/2010/main" w="9525">
                   <a:solidFill>
                     <a:srgbClr val="000000"/>
                   </a:solidFill>
@@ -7193,7 +7193,7 @@
             </a:ln>
             <a:extLst>
               <a:ext uri="{91240B29-F687-4f45-9708-019B960494DF}">
-                <a14:hiddenLine xmlns:a14="http://schemas.microsoft.com/office/drawing/2010/main" xmlns="" w="9525">
+                <a14:hiddenLine xmlns="" xmlns:a14="http://schemas.microsoft.com/office/drawing/2010/main" w="9525">
                   <a:solidFill>
                     <a:srgbClr val="000000"/>
                   </a:solidFill>
@@ -7283,7 +7283,7 @@
             </a:ln>
             <a:extLst>
               <a:ext uri="{91240B29-F687-4f45-9708-019B960494DF}">
-                <a14:hiddenLine xmlns:a14="http://schemas.microsoft.com/office/drawing/2010/main" xmlns="" w="9525">
+                <a14:hiddenLine xmlns="" xmlns:a14="http://schemas.microsoft.com/office/drawing/2010/main" w="9525">
                   <a:solidFill>
                     <a:srgbClr val="000000"/>
                   </a:solidFill>
@@ -12097,7 +12097,7 @@
           <a:noFill/>
           <a:extLst>
             <a:ext uri="{909E8E84-426E-40dd-AFC4-6F175D3DCCD1}">
-              <a14:hiddenFill xmlns:a14="http://schemas.microsoft.com/office/drawing/2010/main" xmlns="">
+              <a14:hiddenFill xmlns="" xmlns:a14="http://schemas.microsoft.com/office/drawing/2010/main">
                 <a:solidFill>
                   <a:srgbClr val="FFFFFF"/>
                 </a:solidFill>
@@ -12171,7 +12171,7 @@
               </a:ln>
               <a:extLst>
                 <a:ext uri="{91240B29-F687-4f45-9708-019B960494DF}">
-                  <a14:hiddenLine xmlns:a14="http://schemas.microsoft.com/office/drawing/2010/main" xmlns="" w="9525">
+                  <a14:hiddenLine xmlns="" xmlns:a14="http://schemas.microsoft.com/office/drawing/2010/main" w="9525">
                     <a:solidFill>
                       <a:srgbClr val="000000"/>
                     </a:solidFill>
@@ -12261,7 +12261,7 @@
               </a:ln>
               <a:extLst>
                 <a:ext uri="{91240B29-F687-4f45-9708-019B960494DF}">
-                  <a14:hiddenLine xmlns:a14="http://schemas.microsoft.com/office/drawing/2010/main" xmlns="" w="9525">
+                  <a14:hiddenLine xmlns="" xmlns:a14="http://schemas.microsoft.com/office/drawing/2010/main" w="9525">
                     <a:solidFill>
                       <a:srgbClr val="000000"/>
                     </a:solidFill>
@@ -12351,7 +12351,7 @@
               </a:ln>
               <a:extLst>
                 <a:ext uri="{91240B29-F687-4f45-9708-019B960494DF}">
-                  <a14:hiddenLine xmlns:a14="http://schemas.microsoft.com/office/drawing/2010/main" xmlns="" w="9525">
+                  <a14:hiddenLine xmlns="" xmlns:a14="http://schemas.microsoft.com/office/drawing/2010/main" w="9525">
                     <a:solidFill>
                       <a:srgbClr val="000000"/>
                     </a:solidFill>
@@ -12413,7 +12413,7 @@
               </a:ln>
               <a:extLst>
                 <a:ext uri="{91240B29-F687-4f45-9708-019B960494DF}">
-                  <a14:hiddenLine xmlns:a14="http://schemas.microsoft.com/office/drawing/2010/main" xmlns="" w="9525">
+                  <a14:hiddenLine xmlns="" xmlns:a14="http://schemas.microsoft.com/office/drawing/2010/main" w="9525">
                     <a:solidFill>
                       <a:srgbClr val="000000"/>
                     </a:solidFill>
@@ -12503,7 +12503,7 @@
               </a:ln>
               <a:extLst>
                 <a:ext uri="{91240B29-F687-4f45-9708-019B960494DF}">
-                  <a14:hiddenLine xmlns:a14="http://schemas.microsoft.com/office/drawing/2010/main" xmlns="" w="9525">
+                  <a14:hiddenLine xmlns="" xmlns:a14="http://schemas.microsoft.com/office/drawing/2010/main" w="9525">
                     <a:solidFill>
                       <a:srgbClr val="000000"/>
                     </a:solidFill>
@@ -12565,7 +12565,7 @@
               </a:ln>
               <a:extLst>
                 <a:ext uri="{91240B29-F687-4f45-9708-019B960494DF}">
-                  <a14:hiddenLine xmlns:a14="http://schemas.microsoft.com/office/drawing/2010/main" xmlns="" w="9525">
+                  <a14:hiddenLine xmlns="" xmlns:a14="http://schemas.microsoft.com/office/drawing/2010/main" w="9525">
                     <a:solidFill>
                       <a:srgbClr val="000000"/>
                     </a:solidFill>
@@ -12627,7 +12627,7 @@
               </a:ln>
               <a:extLst>
                 <a:ext uri="{91240B29-F687-4f45-9708-019B960494DF}">
-                  <a14:hiddenLine xmlns:a14="http://schemas.microsoft.com/office/drawing/2010/main" xmlns="" w="9525">
+                  <a14:hiddenLine xmlns="" xmlns:a14="http://schemas.microsoft.com/office/drawing/2010/main" w="9525">
                     <a:solidFill>
                       <a:srgbClr val="000000"/>
                     </a:solidFill>
@@ -12717,7 +12717,7 @@
               </a:ln>
               <a:extLst>
                 <a:ext uri="{91240B29-F687-4f45-9708-019B960494DF}">
-                  <a14:hiddenLine xmlns:a14="http://schemas.microsoft.com/office/drawing/2010/main" xmlns="" w="9525">
+                  <a14:hiddenLine xmlns="" xmlns:a14="http://schemas.microsoft.com/office/drawing/2010/main" w="9525">
                     <a:solidFill>
                       <a:srgbClr val="000000"/>
                     </a:solidFill>
@@ -12807,7 +12807,7 @@
               </a:ln>
               <a:extLst>
                 <a:ext uri="{91240B29-F687-4f45-9708-019B960494DF}">
-                  <a14:hiddenLine xmlns:a14="http://schemas.microsoft.com/office/drawing/2010/main" xmlns="" w="9525">
+                  <a14:hiddenLine xmlns="" xmlns:a14="http://schemas.microsoft.com/office/drawing/2010/main" w="9525">
                     <a:solidFill>
                       <a:srgbClr val="000000"/>
                     </a:solidFill>
@@ -12869,7 +12869,7 @@
               </a:ln>
               <a:extLst>
                 <a:ext uri="{91240B29-F687-4f45-9708-019B960494DF}">
-                  <a14:hiddenLine xmlns:a14="http://schemas.microsoft.com/office/drawing/2010/main" xmlns="" w="9525">
+                  <a14:hiddenLine xmlns="" xmlns:a14="http://schemas.microsoft.com/office/drawing/2010/main" w="9525">
                     <a:solidFill>
                       <a:srgbClr val="000000"/>
                     </a:solidFill>
@@ -12979,7 +12979,7 @@
               </a:ln>
               <a:extLst>
                 <a:ext uri="{91240B29-F687-4f45-9708-019B960494DF}">
-                  <a14:hiddenLine xmlns:a14="http://schemas.microsoft.com/office/drawing/2010/main" xmlns="" w="9525">
+                  <a14:hiddenLine xmlns="" xmlns:a14="http://schemas.microsoft.com/office/drawing/2010/main" w="9525">
                     <a:solidFill>
                       <a:srgbClr val="000000"/>
                     </a:solidFill>
@@ -13063,7 +13063,7 @@
               </a:ln>
               <a:extLst>
                 <a:ext uri="{91240B29-F687-4f45-9708-019B960494DF}">
-                  <a14:hiddenLine xmlns:a14="http://schemas.microsoft.com/office/drawing/2010/main" xmlns="" w="9525">
+                  <a14:hiddenLine xmlns="" xmlns:a14="http://schemas.microsoft.com/office/drawing/2010/main" w="9525">
                     <a:solidFill>
                       <a:srgbClr val="000000"/>
                     </a:solidFill>
@@ -13125,7 +13125,7 @@
               </a:ln>
               <a:extLst>
                 <a:ext uri="{91240B29-F687-4f45-9708-019B960494DF}">
-                  <a14:hiddenLine xmlns:a14="http://schemas.microsoft.com/office/drawing/2010/main" xmlns="" w="9525">
+                  <a14:hiddenLine xmlns="" xmlns:a14="http://schemas.microsoft.com/office/drawing/2010/main" w="9525">
                     <a:solidFill>
                       <a:srgbClr val="000000"/>
                     </a:solidFill>
@@ -13187,7 +13187,7 @@
               </a:ln>
               <a:extLst>
                 <a:ext uri="{91240B29-F687-4f45-9708-019B960494DF}">
-                  <a14:hiddenLine xmlns:a14="http://schemas.microsoft.com/office/drawing/2010/main" xmlns="" w="9525">
+                  <a14:hiddenLine xmlns="" xmlns:a14="http://schemas.microsoft.com/office/drawing/2010/main" w="9525">
                     <a:solidFill>
                       <a:srgbClr val="000000"/>
                     </a:solidFill>
@@ -13277,7 +13277,7 @@
               </a:ln>
               <a:extLst>
                 <a:ext uri="{91240B29-F687-4f45-9708-019B960494DF}">
-                  <a14:hiddenLine xmlns:a14="http://schemas.microsoft.com/office/drawing/2010/main" xmlns="" w="9525">
+                  <a14:hiddenLine xmlns="" xmlns:a14="http://schemas.microsoft.com/office/drawing/2010/main" w="9525">
                     <a:solidFill>
                       <a:srgbClr val="000000"/>
                     </a:solidFill>
@@ -13311,7 +13311,7 @@
               </a:ln>
               <a:extLst>
                 <a:ext uri="{91240B29-F687-4f45-9708-019B960494DF}">
-                  <a14:hiddenLine xmlns:a14="http://schemas.microsoft.com/office/drawing/2010/main" xmlns="" w="9525">
+                  <a14:hiddenLine xmlns="" xmlns:a14="http://schemas.microsoft.com/office/drawing/2010/main" w="9525">
                     <a:solidFill>
                       <a:srgbClr val="000000"/>
                     </a:solidFill>
@@ -13376,7 +13376,7 @@
               </a:ln>
               <a:extLst>
                 <a:ext uri="{91240B29-F687-4f45-9708-019B960494DF}">
-                  <a14:hiddenLine xmlns:a14="http://schemas.microsoft.com/office/drawing/2010/main" xmlns="" w="9525">
+                  <a14:hiddenLine xmlns="" xmlns:a14="http://schemas.microsoft.com/office/drawing/2010/main" w="9525">
                     <a:solidFill>
                       <a:srgbClr val="000000"/>
                     </a:solidFill>
@@ -13466,7 +13466,7 @@
               </a:ln>
               <a:extLst>
                 <a:ext uri="{91240B29-F687-4f45-9708-019B960494DF}">
-                  <a14:hiddenLine xmlns:a14="http://schemas.microsoft.com/office/drawing/2010/main" xmlns="" w="9525">
+                  <a14:hiddenLine xmlns="" xmlns:a14="http://schemas.microsoft.com/office/drawing/2010/main" w="9525">
                     <a:solidFill>
                       <a:srgbClr val="000000"/>
                     </a:solidFill>
@@ -13528,7 +13528,7 @@
               </a:ln>
               <a:extLst>
                 <a:ext uri="{91240B29-F687-4f45-9708-019B960494DF}">
-                  <a14:hiddenLine xmlns:a14="http://schemas.microsoft.com/office/drawing/2010/main" xmlns="" w="9525">
+                  <a14:hiddenLine xmlns="" xmlns:a14="http://schemas.microsoft.com/office/drawing/2010/main" w="9525">
                     <a:solidFill>
                       <a:srgbClr val="000000"/>
                     </a:solidFill>
@@ -13618,7 +13618,7 @@
               </a:ln>
               <a:extLst>
                 <a:ext uri="{91240B29-F687-4f45-9708-019B960494DF}">
-                  <a14:hiddenLine xmlns:a14="http://schemas.microsoft.com/office/drawing/2010/main" xmlns="" w="9525">
+                  <a14:hiddenLine xmlns="" xmlns:a14="http://schemas.microsoft.com/office/drawing/2010/main" w="9525">
                     <a:solidFill>
                       <a:srgbClr val="000000"/>
                     </a:solidFill>
@@ -13683,7 +13683,7 @@
               </a:ln>
               <a:extLst>
                 <a:ext uri="{91240B29-F687-4f45-9708-019B960494DF}">
-                  <a14:hiddenLine xmlns:a14="http://schemas.microsoft.com/office/drawing/2010/main" xmlns="" w="9525">
+                  <a14:hiddenLine xmlns="" xmlns:a14="http://schemas.microsoft.com/office/drawing/2010/main" w="9525">
                     <a:solidFill>
                       <a:srgbClr val="000000"/>
                     </a:solidFill>
@@ -13745,7 +13745,7 @@
               </a:ln>
               <a:extLst>
                 <a:ext uri="{91240B29-F687-4f45-9708-019B960494DF}">
-                  <a14:hiddenLine xmlns:a14="http://schemas.microsoft.com/office/drawing/2010/main" xmlns="" w="9525">
+                  <a14:hiddenLine xmlns="" xmlns:a14="http://schemas.microsoft.com/office/drawing/2010/main" w="9525">
                     <a:solidFill>
                       <a:srgbClr val="000000"/>
                     </a:solidFill>
@@ -13835,7 +13835,7 @@
               </a:ln>
               <a:extLst>
                 <a:ext uri="{91240B29-F687-4f45-9708-019B960494DF}">
-                  <a14:hiddenLine xmlns:a14="http://schemas.microsoft.com/office/drawing/2010/main" xmlns="" w="9525">
+                  <a14:hiddenLine xmlns="" xmlns:a14="http://schemas.microsoft.com/office/drawing/2010/main" w="9525">
                     <a:solidFill>
                       <a:srgbClr val="000000"/>
                     </a:solidFill>
@@ -13925,7 +13925,7 @@
               </a:ln>
               <a:extLst>
                 <a:ext uri="{91240B29-F687-4f45-9708-019B960494DF}">
-                  <a14:hiddenLine xmlns:a14="http://schemas.microsoft.com/office/drawing/2010/main" xmlns="" w="9525">
+                  <a14:hiddenLine xmlns="" xmlns:a14="http://schemas.microsoft.com/office/drawing/2010/main" w="9525">
                     <a:solidFill>
                       <a:srgbClr val="000000"/>
                     </a:solidFill>
@@ -13990,7 +13990,7 @@
               </a:ln>
               <a:extLst>
                 <a:ext uri="{91240B29-F687-4f45-9708-019B960494DF}">
-                  <a14:hiddenLine xmlns:a14="http://schemas.microsoft.com/office/drawing/2010/main" xmlns="" w="9525">
+                  <a14:hiddenLine xmlns="" xmlns:a14="http://schemas.microsoft.com/office/drawing/2010/main" w="9525">
                     <a:solidFill>
                       <a:srgbClr val="000000"/>
                     </a:solidFill>
@@ -14110,7 +14110,7 @@
               </a:ln>
               <a:extLst>
                 <a:ext uri="{91240B29-F687-4f45-9708-019B960494DF}">
-                  <a14:hiddenLine xmlns:a14="http://schemas.microsoft.com/office/drawing/2010/main" xmlns="" w="9525">
+                  <a14:hiddenLine xmlns="" xmlns:a14="http://schemas.microsoft.com/office/drawing/2010/main" w="9525">
                     <a:solidFill>
                       <a:srgbClr val="000000"/>
                     </a:solidFill>
@@ -14191,7 +14191,7 @@
               </a:ln>
               <a:extLst>
                 <a:ext uri="{91240B29-F687-4f45-9708-019B960494DF}">
-                  <a14:hiddenLine xmlns:a14="http://schemas.microsoft.com/office/drawing/2010/main" xmlns="" w="9525">
+                  <a14:hiddenLine xmlns="" xmlns:a14="http://schemas.microsoft.com/office/drawing/2010/main" w="9525">
                     <a:solidFill>
                       <a:srgbClr val="000000"/>
                     </a:solidFill>
@@ -14306,7 +14306,7 @@
               </a:ln>
               <a:extLst>
                 <a:ext uri="{91240B29-F687-4f45-9708-019B960494DF}">
-                  <a14:hiddenLine xmlns:a14="http://schemas.microsoft.com/office/drawing/2010/main" xmlns="" w="9525">
+                  <a14:hiddenLine xmlns="" xmlns:a14="http://schemas.microsoft.com/office/drawing/2010/main" w="9525">
                     <a:solidFill>
                       <a:srgbClr val="000000"/>
                     </a:solidFill>
@@ -14396,7 +14396,7 @@
               </a:ln>
               <a:extLst>
                 <a:ext uri="{91240B29-F687-4f45-9708-019B960494DF}">
-                  <a14:hiddenLine xmlns:a14="http://schemas.microsoft.com/office/drawing/2010/main" xmlns="" w="9525">
+                  <a14:hiddenLine xmlns="" xmlns:a14="http://schemas.microsoft.com/office/drawing/2010/main" w="9525">
                     <a:solidFill>
                       <a:srgbClr val="000000"/>
                     </a:solidFill>
@@ -14461,7 +14461,7 @@
               </a:ln>
               <a:extLst>
                 <a:ext uri="{91240B29-F687-4f45-9708-019B960494DF}">
-                  <a14:hiddenLine xmlns:a14="http://schemas.microsoft.com/office/drawing/2010/main" xmlns="" w="9525">
+                  <a14:hiddenLine xmlns="" xmlns:a14="http://schemas.microsoft.com/office/drawing/2010/main" w="9525">
                     <a:solidFill>
                       <a:srgbClr val="000000"/>
                     </a:solidFill>
@@ -14551,7 +14551,7 @@
               </a:ln>
               <a:extLst>
                 <a:ext uri="{91240B29-F687-4f45-9708-019B960494DF}">
-                  <a14:hiddenLine xmlns:a14="http://schemas.microsoft.com/office/drawing/2010/main" xmlns="" w="9525">
+                  <a14:hiddenLine xmlns="" xmlns:a14="http://schemas.microsoft.com/office/drawing/2010/main" w="9525">
                     <a:solidFill>
                       <a:srgbClr val="000000"/>
                     </a:solidFill>
@@ -14619,7 +14619,7 @@
               </a:ln>
               <a:extLst>
                 <a:ext uri="{91240B29-F687-4f45-9708-019B960494DF}">
-                  <a14:hiddenLine xmlns:a14="http://schemas.microsoft.com/office/drawing/2010/main" xmlns="" w="9525">
+                  <a14:hiddenLine xmlns="" xmlns:a14="http://schemas.microsoft.com/office/drawing/2010/main" w="9525">
                     <a:solidFill>
                       <a:srgbClr val="000000"/>
                     </a:solidFill>
@@ -14709,7 +14709,7 @@
               </a:ln>
               <a:extLst>
                 <a:ext uri="{91240B29-F687-4f45-9708-019B960494DF}">
-                  <a14:hiddenLine xmlns:a14="http://schemas.microsoft.com/office/drawing/2010/main" xmlns="" w="9525">
+                  <a14:hiddenLine xmlns="" xmlns:a14="http://schemas.microsoft.com/office/drawing/2010/main" w="9525">
                     <a:solidFill>
                       <a:srgbClr val="000000"/>
                     </a:solidFill>
@@ -14777,7 +14777,7 @@
               </a:ln>
               <a:extLst>
                 <a:ext uri="{91240B29-F687-4f45-9708-019B960494DF}">
-                  <a14:hiddenLine xmlns:a14="http://schemas.microsoft.com/office/drawing/2010/main" xmlns="" w="9525">
+                  <a14:hiddenLine xmlns="" xmlns:a14="http://schemas.microsoft.com/office/drawing/2010/main" w="9525">
                     <a:solidFill>
                       <a:srgbClr val="000000"/>
                     </a:solidFill>
@@ -14867,7 +14867,7 @@
               </a:ln>
               <a:extLst>
                 <a:ext uri="{91240B29-F687-4f45-9708-019B960494DF}">
-                  <a14:hiddenLine xmlns:a14="http://schemas.microsoft.com/office/drawing/2010/main" xmlns="" w="9525">
+                  <a14:hiddenLine xmlns="" xmlns:a14="http://schemas.microsoft.com/office/drawing/2010/main" w="9525">
                     <a:solidFill>
                       <a:srgbClr val="000000"/>
                     </a:solidFill>
@@ -14901,7 +14901,7 @@
               </a:ln>
               <a:extLst>
                 <a:ext uri="{91240B29-F687-4f45-9708-019B960494DF}">
-                  <a14:hiddenLine xmlns:a14="http://schemas.microsoft.com/office/drawing/2010/main" xmlns="" w="9525">
+                  <a14:hiddenLine xmlns="" xmlns:a14="http://schemas.microsoft.com/office/drawing/2010/main" w="9525">
                     <a:solidFill>
                       <a:srgbClr val="000000"/>
                     </a:solidFill>
@@ -15762,8 +15762,16 @@
       </p:sp>
       <p:pic>
         <p:nvPicPr>
-          <p:cNvPr id="4" name="Picture 3"/>
-          <p:cNvPicPr/>
+          <p:cNvPr id="5" name="Picture 4" descr="A screenshot of a cell phone&#10;&#10;Description automatically generated">
+            <a:extLst>
+              <a:ext uri="{FF2B5EF4-FFF2-40B4-BE49-F238E27FC236}">
+                <a16:creationId xmlns:a16="http://schemas.microsoft.com/office/drawing/2014/main" id="{8321EF2A-E7A4-214E-B1B2-78D8E88AEB77}"/>
+              </a:ext>
+            </a:extLst>
+          </p:cNvPr>
+          <p:cNvPicPr>
+            <a:picLocks noChangeAspect="1"/>
+          </p:cNvPicPr>
           <p:nvPr/>
         </p:nvPicPr>
         <p:blipFill>
@@ -15774,8 +15782,8 @@
         </p:blipFill>
         <p:spPr>
           <a:xfrm>
-            <a:off x="1304925" y="2427922"/>
-            <a:ext cx="9934575" cy="3687128"/>
+            <a:off x="1511300" y="654050"/>
+            <a:ext cx="9169400" cy="5549900"/>
           </a:xfrm>
           <a:prstGeom prst="rect">
             <a:avLst/>
@@ -16949,7 +16957,7 @@
           <a:noFill/>
           <a:extLst>
             <a:ext uri="{909E8E84-426E-40dd-AFC4-6F175D3DCCD1}">
-              <a14:hiddenFill xmlns="" xmlns:a16="http://schemas.microsoft.com/office/drawing/2014/main" xmlns:p14="http://schemas.microsoft.com/office/powerpoint/2010/main" xmlns:a14="http://schemas.microsoft.com/office/drawing/2010/main">
+              <a14:hiddenFill xmlns:a14="http://schemas.microsoft.com/office/drawing/2010/main" xmlns:p14="http://schemas.microsoft.com/office/powerpoint/2010/main" xmlns:a16="http://schemas.microsoft.com/office/drawing/2014/main" xmlns="">
                 <a:solidFill>
                   <a:srgbClr val="FFFFFF"/>
                 </a:solidFill>
@@ -17040,7 +17048,7 @@
             </a:ln>
             <a:extLst>
               <a:ext uri="{91240B29-F687-4f45-9708-019B960494DF}">
-                <a14:hiddenLine xmlns="" xmlns:a16="http://schemas.microsoft.com/office/drawing/2014/main" xmlns:p14="http://schemas.microsoft.com/office/powerpoint/2010/main" xmlns:a14="http://schemas.microsoft.com/office/drawing/2010/main" w="9525">
+                <a14:hiddenLine xmlns:a14="http://schemas.microsoft.com/office/drawing/2010/main" xmlns:p14="http://schemas.microsoft.com/office/powerpoint/2010/main" xmlns:a16="http://schemas.microsoft.com/office/drawing/2014/main" xmlns="" w="9525">
                   <a:solidFill>
                     <a:srgbClr val="000000"/>
                   </a:solidFill>
@@ -17145,7 +17153,7 @@
             </a:ln>
             <a:extLst>
               <a:ext uri="{91240B29-F687-4f45-9708-019B960494DF}">
-                <a14:hiddenLine xmlns="" xmlns:a16="http://schemas.microsoft.com/office/drawing/2014/main" xmlns:p14="http://schemas.microsoft.com/office/powerpoint/2010/main" xmlns:a14="http://schemas.microsoft.com/office/drawing/2010/main" w="9525">
+                <a14:hiddenLine xmlns:a14="http://schemas.microsoft.com/office/drawing/2010/main" xmlns:p14="http://schemas.microsoft.com/office/powerpoint/2010/main" xmlns:a16="http://schemas.microsoft.com/office/drawing/2014/main" xmlns="" w="9525">
                   <a:solidFill>
                     <a:srgbClr val="000000"/>
                   </a:solidFill>
@@ -17250,7 +17258,7 @@
             </a:ln>
             <a:extLst>
               <a:ext uri="{91240B29-F687-4f45-9708-019B960494DF}">
-                <a14:hiddenLine xmlns="" xmlns:a16="http://schemas.microsoft.com/office/drawing/2014/main" xmlns:p14="http://schemas.microsoft.com/office/powerpoint/2010/main" xmlns:a14="http://schemas.microsoft.com/office/drawing/2010/main" w="9525">
+                <a14:hiddenLine xmlns:a14="http://schemas.microsoft.com/office/drawing/2010/main" xmlns:p14="http://schemas.microsoft.com/office/powerpoint/2010/main" xmlns:a16="http://schemas.microsoft.com/office/drawing/2014/main" xmlns="" w="9525">
                   <a:solidFill>
                     <a:srgbClr val="000000"/>
                   </a:solidFill>
@@ -17299,7 +17307,7 @@
             </a:ln>
             <a:extLst>
               <a:ext uri="{91240B29-F687-4f45-9708-019B960494DF}">
-                <a14:hiddenLine xmlns="" xmlns:a16="http://schemas.microsoft.com/office/drawing/2014/main" xmlns:p14="http://schemas.microsoft.com/office/powerpoint/2010/main" xmlns:a14="http://schemas.microsoft.com/office/drawing/2010/main" w="9525">
+                <a14:hiddenLine xmlns:a14="http://schemas.microsoft.com/office/drawing/2010/main" xmlns:p14="http://schemas.microsoft.com/office/powerpoint/2010/main" xmlns:a16="http://schemas.microsoft.com/office/drawing/2014/main" xmlns="" w="9525">
                   <a:solidFill>
                     <a:srgbClr val="000000"/>
                   </a:solidFill>
@@ -17404,7 +17412,7 @@
             </a:ln>
             <a:extLst>
               <a:ext uri="{91240B29-F687-4f45-9708-019B960494DF}">
-                <a14:hiddenLine xmlns="" xmlns:a16="http://schemas.microsoft.com/office/drawing/2014/main" xmlns:p14="http://schemas.microsoft.com/office/powerpoint/2010/main" xmlns:a14="http://schemas.microsoft.com/office/drawing/2010/main" w="9525">
+                <a14:hiddenLine xmlns:a14="http://schemas.microsoft.com/office/drawing/2010/main" xmlns:p14="http://schemas.microsoft.com/office/powerpoint/2010/main" xmlns:a16="http://schemas.microsoft.com/office/drawing/2014/main" xmlns="" w="9525">
                   <a:solidFill>
                     <a:srgbClr val="000000"/>
                   </a:solidFill>
@@ -17481,7 +17489,7 @@
             </a:ln>
             <a:extLst>
               <a:ext uri="{91240B29-F687-4f45-9708-019B960494DF}">
-                <a14:hiddenLine xmlns="" xmlns:a16="http://schemas.microsoft.com/office/drawing/2014/main" xmlns:p14="http://schemas.microsoft.com/office/powerpoint/2010/main" xmlns:a14="http://schemas.microsoft.com/office/drawing/2010/main" w="9525">
+                <a14:hiddenLine xmlns:a14="http://schemas.microsoft.com/office/drawing/2010/main" xmlns:p14="http://schemas.microsoft.com/office/powerpoint/2010/main" xmlns:a16="http://schemas.microsoft.com/office/drawing/2014/main" xmlns="" w="9525">
                   <a:solidFill>
                     <a:srgbClr val="000000"/>
                   </a:solidFill>
@@ -17558,7 +17566,7 @@
             </a:ln>
             <a:extLst>
               <a:ext uri="{91240B29-F687-4f45-9708-019B960494DF}">
-                <a14:hiddenLine xmlns="" xmlns:a16="http://schemas.microsoft.com/office/drawing/2014/main" xmlns:p14="http://schemas.microsoft.com/office/powerpoint/2010/main" xmlns:a14="http://schemas.microsoft.com/office/drawing/2010/main" w="9525">
+                <a14:hiddenLine xmlns:a14="http://schemas.microsoft.com/office/drawing/2010/main" xmlns:p14="http://schemas.microsoft.com/office/powerpoint/2010/main" xmlns:a16="http://schemas.microsoft.com/office/drawing/2014/main" xmlns="" w="9525">
                   <a:solidFill>
                     <a:srgbClr val="000000"/>
                   </a:solidFill>
@@ -17663,7 +17671,7 @@
             </a:ln>
             <a:extLst>
               <a:ext uri="{91240B29-F687-4f45-9708-019B960494DF}">
-                <a14:hiddenLine xmlns="" xmlns:a16="http://schemas.microsoft.com/office/drawing/2014/main" xmlns:p14="http://schemas.microsoft.com/office/powerpoint/2010/main" xmlns:a14="http://schemas.microsoft.com/office/drawing/2010/main" w="9525">
+                <a14:hiddenLine xmlns:a14="http://schemas.microsoft.com/office/drawing/2010/main" xmlns:p14="http://schemas.microsoft.com/office/powerpoint/2010/main" xmlns:a16="http://schemas.microsoft.com/office/drawing/2014/main" xmlns="" w="9525">
                   <a:solidFill>
                     <a:srgbClr val="000000"/>
                   </a:solidFill>
@@ -17740,7 +17748,7 @@
             </a:ln>
             <a:extLst>
               <a:ext uri="{91240B29-F687-4f45-9708-019B960494DF}">
-                <a14:hiddenLine xmlns="" xmlns:a16="http://schemas.microsoft.com/office/drawing/2014/main" xmlns:p14="http://schemas.microsoft.com/office/powerpoint/2010/main" xmlns:a14="http://schemas.microsoft.com/office/drawing/2010/main" w="9525">
+                <a14:hiddenLine xmlns:a14="http://schemas.microsoft.com/office/drawing/2010/main" xmlns:p14="http://schemas.microsoft.com/office/powerpoint/2010/main" xmlns:a16="http://schemas.microsoft.com/office/drawing/2014/main" xmlns="" w="9525">
                   <a:solidFill>
                     <a:srgbClr val="000000"/>
                   </a:solidFill>
@@ -17817,7 +17825,7 @@
             </a:ln>
             <a:extLst>
               <a:ext uri="{91240B29-F687-4f45-9708-019B960494DF}">
-                <a14:hiddenLine xmlns="" xmlns:a16="http://schemas.microsoft.com/office/drawing/2014/main" xmlns:p14="http://schemas.microsoft.com/office/powerpoint/2010/main" xmlns:a14="http://schemas.microsoft.com/office/drawing/2010/main" w="9525">
+                <a14:hiddenLine xmlns:a14="http://schemas.microsoft.com/office/drawing/2010/main" xmlns:p14="http://schemas.microsoft.com/office/powerpoint/2010/main" xmlns:a16="http://schemas.microsoft.com/office/drawing/2014/main" xmlns="" w="9525">
                   <a:solidFill>
                     <a:srgbClr val="000000"/>
                   </a:solidFill>
@@ -17922,7 +17930,7 @@
             </a:ln>
             <a:extLst>
               <a:ext uri="{91240B29-F687-4f45-9708-019B960494DF}">
-                <a14:hiddenLine xmlns="" xmlns:a16="http://schemas.microsoft.com/office/drawing/2014/main" xmlns:p14="http://schemas.microsoft.com/office/powerpoint/2010/main" xmlns:a14="http://schemas.microsoft.com/office/drawing/2010/main" w="9525">
+                <a14:hiddenLine xmlns:a14="http://schemas.microsoft.com/office/drawing/2010/main" xmlns:p14="http://schemas.microsoft.com/office/powerpoint/2010/main" xmlns:a16="http://schemas.microsoft.com/office/drawing/2014/main" xmlns="" w="9525">
                   <a:solidFill>
                     <a:srgbClr val="000000"/>
                   </a:solidFill>
@@ -18027,7 +18035,7 @@
             </a:ln>
             <a:extLst>
               <a:ext uri="{91240B29-F687-4f45-9708-019B960494DF}">
-                <a14:hiddenLine xmlns="" xmlns:a16="http://schemas.microsoft.com/office/drawing/2014/main" xmlns:p14="http://schemas.microsoft.com/office/powerpoint/2010/main" xmlns:a14="http://schemas.microsoft.com/office/drawing/2010/main" w="9525">
+                <a14:hiddenLine xmlns:a14="http://schemas.microsoft.com/office/drawing/2010/main" xmlns:p14="http://schemas.microsoft.com/office/powerpoint/2010/main" xmlns:a16="http://schemas.microsoft.com/office/drawing/2014/main" xmlns="" w="9525">
                   <a:solidFill>
                     <a:srgbClr val="000000"/>
                   </a:solidFill>
@@ -18104,7 +18112,7 @@
             </a:ln>
             <a:extLst>
               <a:ext uri="{91240B29-F687-4f45-9708-019B960494DF}">
-                <a14:hiddenLine xmlns="" xmlns:a16="http://schemas.microsoft.com/office/drawing/2014/main" xmlns:p14="http://schemas.microsoft.com/office/powerpoint/2010/main" xmlns:a14="http://schemas.microsoft.com/office/drawing/2010/main" w="9525">
+                <a14:hiddenLine xmlns:a14="http://schemas.microsoft.com/office/drawing/2010/main" xmlns:p14="http://schemas.microsoft.com/office/powerpoint/2010/main" xmlns:a16="http://schemas.microsoft.com/office/drawing/2014/main" xmlns="" w="9525">
                   <a:solidFill>
                     <a:srgbClr val="000000"/>
                   </a:solidFill>
@@ -18229,7 +18237,7 @@
             </a:ln>
             <a:extLst>
               <a:ext uri="{91240B29-F687-4f45-9708-019B960494DF}">
-                <a14:hiddenLine xmlns="" xmlns:a16="http://schemas.microsoft.com/office/drawing/2014/main" xmlns:p14="http://schemas.microsoft.com/office/powerpoint/2010/main" xmlns:a14="http://schemas.microsoft.com/office/drawing/2010/main" w="9525">
+                <a14:hiddenLine xmlns:a14="http://schemas.microsoft.com/office/drawing/2010/main" xmlns:p14="http://schemas.microsoft.com/office/powerpoint/2010/main" xmlns:a16="http://schemas.microsoft.com/office/drawing/2014/main" xmlns="" w="9525">
                   <a:solidFill>
                     <a:srgbClr val="000000"/>
                   </a:solidFill>
@@ -18306,7 +18314,7 @@
             </a:ln>
             <a:extLst>
               <a:ext uri="{91240B29-F687-4f45-9708-019B960494DF}">
-                <a14:hiddenLine xmlns="" xmlns:a16="http://schemas.microsoft.com/office/drawing/2014/main" xmlns:p14="http://schemas.microsoft.com/office/powerpoint/2010/main" xmlns:a14="http://schemas.microsoft.com/office/drawing/2010/main" w="9525">
+                <a14:hiddenLine xmlns:a14="http://schemas.microsoft.com/office/drawing/2010/main" xmlns:p14="http://schemas.microsoft.com/office/powerpoint/2010/main" xmlns:a16="http://schemas.microsoft.com/office/drawing/2014/main" xmlns="" w="9525">
                   <a:solidFill>
                     <a:srgbClr val="000000"/>
                   </a:solidFill>
@@ -18411,7 +18419,7 @@
             </a:ln>
             <a:extLst>
               <a:ext uri="{91240B29-F687-4f45-9708-019B960494DF}">
-                <a14:hiddenLine xmlns="" xmlns:a16="http://schemas.microsoft.com/office/drawing/2014/main" xmlns:p14="http://schemas.microsoft.com/office/powerpoint/2010/main" xmlns:a14="http://schemas.microsoft.com/office/drawing/2010/main" w="9525">
+                <a14:hiddenLine xmlns:a14="http://schemas.microsoft.com/office/drawing/2010/main" xmlns:p14="http://schemas.microsoft.com/office/powerpoint/2010/main" xmlns:a16="http://schemas.microsoft.com/office/drawing/2014/main" xmlns="" w="9525">
                   <a:solidFill>
                     <a:srgbClr val="000000"/>
                   </a:solidFill>
@@ -18516,7 +18524,7 @@
             </a:ln>
             <a:extLst>
               <a:ext uri="{91240B29-F687-4f45-9708-019B960494DF}">
-                <a14:hiddenLine xmlns="" xmlns:a16="http://schemas.microsoft.com/office/drawing/2014/main" xmlns:p14="http://schemas.microsoft.com/office/powerpoint/2010/main" xmlns:a14="http://schemas.microsoft.com/office/drawing/2010/main" w="9525">
+                <a14:hiddenLine xmlns:a14="http://schemas.microsoft.com/office/drawing/2010/main" xmlns:p14="http://schemas.microsoft.com/office/powerpoint/2010/main" xmlns:a16="http://schemas.microsoft.com/office/drawing/2014/main" xmlns="" w="9525">
                   <a:solidFill>
                     <a:srgbClr val="000000"/>
                   </a:solidFill>
@@ -18593,7 +18601,7 @@
             </a:ln>
             <a:extLst>
               <a:ext uri="{91240B29-F687-4f45-9708-019B960494DF}">
-                <a14:hiddenLine xmlns="" xmlns:a16="http://schemas.microsoft.com/office/drawing/2014/main" xmlns:p14="http://schemas.microsoft.com/office/powerpoint/2010/main" xmlns:a14="http://schemas.microsoft.com/office/drawing/2010/main" w="9525">
+                <a14:hiddenLine xmlns:a14="http://schemas.microsoft.com/office/drawing/2010/main" xmlns:p14="http://schemas.microsoft.com/office/powerpoint/2010/main" xmlns:a16="http://schemas.microsoft.com/office/drawing/2014/main" xmlns="" w="9525">
                   <a:solidFill>
                     <a:srgbClr val="000000"/>
                   </a:solidFill>
@@ -18698,7 +18706,7 @@
             </a:ln>
             <a:extLst>
               <a:ext uri="{91240B29-F687-4f45-9708-019B960494DF}">
-                <a14:hiddenLine xmlns="" xmlns:a16="http://schemas.microsoft.com/office/drawing/2014/main" xmlns:p14="http://schemas.microsoft.com/office/powerpoint/2010/main" xmlns:a14="http://schemas.microsoft.com/office/drawing/2010/main" w="9525">
+                <a14:hiddenLine xmlns:a14="http://schemas.microsoft.com/office/drawing/2010/main" xmlns:p14="http://schemas.microsoft.com/office/powerpoint/2010/main" xmlns:a16="http://schemas.microsoft.com/office/drawing/2014/main" xmlns="" w="9525">
                   <a:solidFill>
                     <a:srgbClr val="000000"/>
                   </a:solidFill>
@@ -18803,7 +18811,7 @@
             </a:ln>
             <a:extLst>
               <a:ext uri="{91240B29-F687-4f45-9708-019B960494DF}">
-                <a14:hiddenLine xmlns="" xmlns:a16="http://schemas.microsoft.com/office/drawing/2014/main" xmlns:p14="http://schemas.microsoft.com/office/powerpoint/2010/main" xmlns:a14="http://schemas.microsoft.com/office/drawing/2010/main" w="9525">
+                <a14:hiddenLine xmlns:a14="http://schemas.microsoft.com/office/drawing/2010/main" xmlns:p14="http://schemas.microsoft.com/office/powerpoint/2010/main" xmlns:a16="http://schemas.microsoft.com/office/drawing/2014/main" xmlns="" w="9525">
                   <a:solidFill>
                     <a:srgbClr val="000000"/>
                   </a:solidFill>
@@ -18874,7 +18882,7 @@
             </a:ln>
             <a:extLst>
               <a:ext uri="{91240B29-F687-4f45-9708-019B960494DF}">
-                <a14:hiddenLine xmlns="" xmlns:a16="http://schemas.microsoft.com/office/drawing/2014/main" xmlns:p14="http://schemas.microsoft.com/office/powerpoint/2010/main" xmlns:a14="http://schemas.microsoft.com/office/drawing/2010/main" w="9525">
+                <a14:hiddenLine xmlns:a14="http://schemas.microsoft.com/office/drawing/2010/main" xmlns:p14="http://schemas.microsoft.com/office/powerpoint/2010/main" xmlns:a16="http://schemas.microsoft.com/office/drawing/2014/main" xmlns="" w="9525">
                   <a:solidFill>
                     <a:srgbClr val="000000"/>
                   </a:solidFill>
@@ -18979,7 +18987,7 @@
             </a:ln>
             <a:extLst>
               <a:ext uri="{91240B29-F687-4f45-9708-019B960494DF}">
-                <a14:hiddenLine xmlns="" xmlns:a16="http://schemas.microsoft.com/office/drawing/2014/main" xmlns:p14="http://schemas.microsoft.com/office/powerpoint/2010/main" xmlns:a14="http://schemas.microsoft.com/office/drawing/2010/main" w="9525">
+                <a14:hiddenLine xmlns:a14="http://schemas.microsoft.com/office/drawing/2010/main" xmlns:p14="http://schemas.microsoft.com/office/powerpoint/2010/main" xmlns:a16="http://schemas.microsoft.com/office/drawing/2014/main" xmlns="" w="9525">
                   <a:solidFill>
                     <a:srgbClr val="000000"/>
                   </a:solidFill>
@@ -19050,7 +19058,7 @@
             </a:ln>
             <a:extLst>
               <a:ext uri="{91240B29-F687-4f45-9708-019B960494DF}">
-                <a14:hiddenLine xmlns="" xmlns:a16="http://schemas.microsoft.com/office/drawing/2014/main" xmlns:p14="http://schemas.microsoft.com/office/powerpoint/2010/main" xmlns:a14="http://schemas.microsoft.com/office/drawing/2010/main" w="9525">
+                <a14:hiddenLine xmlns:a14="http://schemas.microsoft.com/office/drawing/2010/main" xmlns:p14="http://schemas.microsoft.com/office/powerpoint/2010/main" xmlns:a16="http://schemas.microsoft.com/office/drawing/2014/main" xmlns="" w="9525">
                   <a:solidFill>
                     <a:srgbClr val="000000"/>
                   </a:solidFill>
@@ -19155,7 +19163,7 @@
             </a:ln>
             <a:extLst>
               <a:ext uri="{91240B29-F687-4f45-9708-019B960494DF}">
-                <a14:hiddenLine xmlns="" xmlns:a16="http://schemas.microsoft.com/office/drawing/2014/main" xmlns:p14="http://schemas.microsoft.com/office/powerpoint/2010/main" xmlns:a14="http://schemas.microsoft.com/office/drawing/2010/main" w="9525">
+                <a14:hiddenLine xmlns:a14="http://schemas.microsoft.com/office/drawing/2010/main" xmlns:p14="http://schemas.microsoft.com/office/powerpoint/2010/main" xmlns:a16="http://schemas.microsoft.com/office/drawing/2014/main" xmlns="" w="9525">
                   <a:solidFill>
                     <a:srgbClr val="000000"/>
                   </a:solidFill>
@@ -19238,7 +19246,7 @@
             </a:ln>
             <a:extLst>
               <a:ext uri="{91240B29-F687-4f45-9708-019B960494DF}">
-                <a14:hiddenLine xmlns="" xmlns:a16="http://schemas.microsoft.com/office/drawing/2014/main" xmlns:p14="http://schemas.microsoft.com/office/powerpoint/2010/main" xmlns:a14="http://schemas.microsoft.com/office/drawing/2010/main" w="9525">
+                <a14:hiddenLine xmlns:a14="http://schemas.microsoft.com/office/drawing/2010/main" xmlns:p14="http://schemas.microsoft.com/office/powerpoint/2010/main" xmlns:a16="http://schemas.microsoft.com/office/drawing/2014/main" xmlns="" w="9525">
                   <a:solidFill>
                     <a:srgbClr val="000000"/>
                   </a:solidFill>
@@ -19343,7 +19351,7 @@
             </a:ln>
             <a:extLst>
               <a:ext uri="{91240B29-F687-4f45-9708-019B960494DF}">
-                <a14:hiddenLine xmlns="" xmlns:a16="http://schemas.microsoft.com/office/drawing/2014/main" xmlns:p14="http://schemas.microsoft.com/office/powerpoint/2010/main" xmlns:a14="http://schemas.microsoft.com/office/drawing/2010/main" w="9525">
+                <a14:hiddenLine xmlns:a14="http://schemas.microsoft.com/office/drawing/2010/main" xmlns:p14="http://schemas.microsoft.com/office/powerpoint/2010/main" xmlns:a16="http://schemas.microsoft.com/office/drawing/2014/main" xmlns="" w="9525">
                   <a:solidFill>
                     <a:srgbClr val="000000"/>
                   </a:solidFill>
@@ -19426,7 +19434,7 @@
             </a:ln>
             <a:extLst>
               <a:ext uri="{91240B29-F687-4f45-9708-019B960494DF}">
-                <a14:hiddenLine xmlns="" xmlns:a16="http://schemas.microsoft.com/office/drawing/2014/main" xmlns:p14="http://schemas.microsoft.com/office/powerpoint/2010/main" xmlns:a14="http://schemas.microsoft.com/office/drawing/2010/main" w="9525">
+                <a14:hiddenLine xmlns:a14="http://schemas.microsoft.com/office/drawing/2010/main" xmlns:p14="http://schemas.microsoft.com/office/powerpoint/2010/main" xmlns:a16="http://schemas.microsoft.com/office/drawing/2014/main" xmlns="" w="9525">
                   <a:solidFill>
                     <a:srgbClr val="000000"/>
                   </a:solidFill>
@@ -19531,7 +19539,7 @@
             </a:ln>
             <a:extLst>
               <a:ext uri="{91240B29-F687-4f45-9708-019B960494DF}">
-                <a14:hiddenLine xmlns="" xmlns:a16="http://schemas.microsoft.com/office/drawing/2014/main" xmlns:p14="http://schemas.microsoft.com/office/powerpoint/2010/main" xmlns:a14="http://schemas.microsoft.com/office/drawing/2010/main" w="9525">
+                <a14:hiddenLine xmlns:a14="http://schemas.microsoft.com/office/drawing/2010/main" xmlns:p14="http://schemas.microsoft.com/office/powerpoint/2010/main" xmlns:a16="http://schemas.microsoft.com/office/drawing/2014/main" xmlns="" w="9525">
                   <a:solidFill>
                     <a:srgbClr val="000000"/>
                   </a:solidFill>
@@ -19580,7 +19588,7 @@
             </a:ln>
             <a:extLst>
               <a:ext uri="{91240B29-F687-4f45-9708-019B960494DF}">
-                <a14:hiddenLine xmlns="" xmlns:a16="http://schemas.microsoft.com/office/drawing/2014/main" xmlns:p14="http://schemas.microsoft.com/office/powerpoint/2010/main" xmlns:a14="http://schemas.microsoft.com/office/drawing/2010/main" w="9525">
+                <a14:hiddenLine xmlns:a14="http://schemas.microsoft.com/office/drawing/2010/main" xmlns:p14="http://schemas.microsoft.com/office/powerpoint/2010/main" xmlns:a16="http://schemas.microsoft.com/office/drawing/2014/main" xmlns="" w="9525">
                   <a:solidFill>
                     <a:srgbClr val="000000"/>
                   </a:solidFill>
@@ -19685,7 +19693,7 @@
             </a:ln>
             <a:extLst>
               <a:ext uri="{91240B29-F687-4f45-9708-019B960494DF}">
-                <a14:hiddenLine xmlns="" xmlns:a16="http://schemas.microsoft.com/office/drawing/2014/main" xmlns:p14="http://schemas.microsoft.com/office/powerpoint/2010/main" xmlns:a14="http://schemas.microsoft.com/office/drawing/2010/main" w="9525">
+                <a14:hiddenLine xmlns:a14="http://schemas.microsoft.com/office/drawing/2010/main" xmlns:p14="http://schemas.microsoft.com/office/powerpoint/2010/main" xmlns:a16="http://schemas.microsoft.com/office/drawing/2014/main" xmlns="" w="9525">
                   <a:solidFill>
                     <a:srgbClr val="000000"/>
                   </a:solidFill>
@@ -19762,7 +19770,7 @@
             </a:ln>
             <a:extLst>
               <a:ext uri="{91240B29-F687-4f45-9708-019B960494DF}">
-                <a14:hiddenLine xmlns="" xmlns:a16="http://schemas.microsoft.com/office/drawing/2014/main" xmlns:p14="http://schemas.microsoft.com/office/powerpoint/2010/main" xmlns:a14="http://schemas.microsoft.com/office/drawing/2010/main" w="9525">
+                <a14:hiddenLine xmlns:a14="http://schemas.microsoft.com/office/drawing/2010/main" xmlns:p14="http://schemas.microsoft.com/office/powerpoint/2010/main" xmlns:a16="http://schemas.microsoft.com/office/drawing/2014/main" xmlns="" w="9525">
                   <a:solidFill>
                     <a:srgbClr val="000000"/>
                   </a:solidFill>
@@ -19839,7 +19847,7 @@
             </a:ln>
             <a:extLst>
               <a:ext uri="{91240B29-F687-4f45-9708-019B960494DF}">
-                <a14:hiddenLine xmlns="" xmlns:a16="http://schemas.microsoft.com/office/drawing/2014/main" xmlns:p14="http://schemas.microsoft.com/office/powerpoint/2010/main" xmlns:a14="http://schemas.microsoft.com/office/drawing/2010/main" w="9525">
+                <a14:hiddenLine xmlns:a14="http://schemas.microsoft.com/office/drawing/2010/main" xmlns:p14="http://schemas.microsoft.com/office/powerpoint/2010/main" xmlns:a16="http://schemas.microsoft.com/office/drawing/2014/main" xmlns="" w="9525">
                   <a:solidFill>
                     <a:srgbClr val="000000"/>
                   </a:solidFill>
@@ -19944,7 +19952,7 @@
             </a:ln>
             <a:extLst>
               <a:ext uri="{91240B29-F687-4f45-9708-019B960494DF}">
-                <a14:hiddenLine xmlns="" xmlns:a16="http://schemas.microsoft.com/office/drawing/2014/main" xmlns:p14="http://schemas.microsoft.com/office/powerpoint/2010/main" xmlns:a14="http://schemas.microsoft.com/office/drawing/2010/main" w="9525">
+                <a14:hiddenLine xmlns:a14="http://schemas.microsoft.com/office/drawing/2010/main" xmlns:p14="http://schemas.microsoft.com/office/powerpoint/2010/main" xmlns:a16="http://schemas.microsoft.com/office/drawing/2014/main" xmlns="" w="9525">
                   <a:solidFill>
                     <a:srgbClr val="000000"/>
                   </a:solidFill>
@@ -20027,7 +20035,7 @@
             </a:ln>
             <a:extLst>
               <a:ext uri="{91240B29-F687-4f45-9708-019B960494DF}">
-                <a14:hiddenLine xmlns="" xmlns:a16="http://schemas.microsoft.com/office/drawing/2014/main" xmlns:p14="http://schemas.microsoft.com/office/powerpoint/2010/main" xmlns:a14="http://schemas.microsoft.com/office/drawing/2010/main" w="9525">
+                <a14:hiddenLine xmlns:a14="http://schemas.microsoft.com/office/drawing/2010/main" xmlns:p14="http://schemas.microsoft.com/office/powerpoint/2010/main" xmlns:a16="http://schemas.microsoft.com/office/drawing/2014/main" xmlns="" w="9525">
                   <a:solidFill>
                     <a:srgbClr val="000000"/>
                   </a:solidFill>
@@ -20104,7 +20112,7 @@
             </a:ln>
             <a:extLst>
               <a:ext uri="{91240B29-F687-4f45-9708-019B960494DF}">
-                <a14:hiddenLine xmlns="" xmlns:a16="http://schemas.microsoft.com/office/drawing/2014/main" xmlns:p14="http://schemas.microsoft.com/office/powerpoint/2010/main" xmlns:a14="http://schemas.microsoft.com/office/drawing/2010/main" w="9525">
+                <a14:hiddenLine xmlns:a14="http://schemas.microsoft.com/office/drawing/2010/main" xmlns:p14="http://schemas.microsoft.com/office/powerpoint/2010/main" xmlns:a16="http://schemas.microsoft.com/office/drawing/2014/main" xmlns="" w="9525">
                   <a:solidFill>
                     <a:srgbClr val="000000"/>
                   </a:solidFill>
@@ -20209,7 +20217,7 @@
             </a:ln>
             <a:extLst>
               <a:ext uri="{91240B29-F687-4f45-9708-019B960494DF}">
-                <a14:hiddenLine xmlns="" xmlns:a16="http://schemas.microsoft.com/office/drawing/2014/main" xmlns:p14="http://schemas.microsoft.com/office/powerpoint/2010/main" xmlns:a14="http://schemas.microsoft.com/office/drawing/2010/main" w="9525">
+                <a14:hiddenLine xmlns:a14="http://schemas.microsoft.com/office/drawing/2010/main" xmlns:p14="http://schemas.microsoft.com/office/powerpoint/2010/main" xmlns:a16="http://schemas.microsoft.com/office/drawing/2014/main" xmlns="" w="9525">
                   <a:solidFill>
                     <a:srgbClr val="000000"/>
                   </a:solidFill>
@@ -20286,7 +20294,7 @@
             </a:ln>
             <a:extLst>
               <a:ext uri="{91240B29-F687-4f45-9708-019B960494DF}">
-                <a14:hiddenLine xmlns="" xmlns:a16="http://schemas.microsoft.com/office/drawing/2014/main" xmlns:p14="http://schemas.microsoft.com/office/powerpoint/2010/main" xmlns:a14="http://schemas.microsoft.com/office/drawing/2010/main" w="9525">
+                <a14:hiddenLine xmlns:a14="http://schemas.microsoft.com/office/drawing/2010/main" xmlns:p14="http://schemas.microsoft.com/office/powerpoint/2010/main" xmlns:a16="http://schemas.microsoft.com/office/drawing/2014/main" xmlns="" w="9525">
                   <a:solidFill>
                     <a:srgbClr val="000000"/>
                   </a:solidFill>
@@ -20391,7 +20399,7 @@
             </a:ln>
             <a:extLst>
               <a:ext uri="{91240B29-F687-4f45-9708-019B960494DF}">
-                <a14:hiddenLine xmlns="" xmlns:a16="http://schemas.microsoft.com/office/drawing/2014/main" xmlns:p14="http://schemas.microsoft.com/office/powerpoint/2010/main" xmlns:a14="http://schemas.microsoft.com/office/drawing/2010/main" w="9525">
+                <a14:hiddenLine xmlns:a14="http://schemas.microsoft.com/office/drawing/2010/main" xmlns:p14="http://schemas.microsoft.com/office/powerpoint/2010/main" xmlns:a16="http://schemas.microsoft.com/office/drawing/2014/main" xmlns="" w="9525">
                   <a:solidFill>
                     <a:srgbClr val="000000"/>
                   </a:solidFill>
@@ -20468,7 +20476,7 @@
             </a:ln>
             <a:extLst>
               <a:ext uri="{91240B29-F687-4f45-9708-019B960494DF}">
-                <a14:hiddenLine xmlns="" xmlns:a16="http://schemas.microsoft.com/office/drawing/2014/main" xmlns:p14="http://schemas.microsoft.com/office/powerpoint/2010/main" xmlns:a14="http://schemas.microsoft.com/office/drawing/2010/main" w="9525">
+                <a14:hiddenLine xmlns:a14="http://schemas.microsoft.com/office/drawing/2010/main" xmlns:p14="http://schemas.microsoft.com/office/powerpoint/2010/main" xmlns:a16="http://schemas.microsoft.com/office/drawing/2014/main" xmlns="" w="9525">
                   <a:solidFill>
                     <a:srgbClr val="000000"/>
                   </a:solidFill>
@@ -20573,7 +20581,7 @@
             </a:ln>
             <a:extLst>
               <a:ext uri="{91240B29-F687-4f45-9708-019B960494DF}">
-                <a14:hiddenLine xmlns="" xmlns:a16="http://schemas.microsoft.com/office/drawing/2014/main" xmlns:p14="http://schemas.microsoft.com/office/powerpoint/2010/main" xmlns:a14="http://schemas.microsoft.com/office/drawing/2010/main" w="9525">
+                <a14:hiddenLine xmlns:a14="http://schemas.microsoft.com/office/drawing/2010/main" xmlns:p14="http://schemas.microsoft.com/office/powerpoint/2010/main" xmlns:a16="http://schemas.microsoft.com/office/drawing/2014/main" xmlns="" w="9525">
                   <a:solidFill>
                     <a:srgbClr val="000000"/>
                   </a:solidFill>
@@ -20622,7 +20630,7 @@
             </a:ln>
             <a:extLst>
               <a:ext uri="{91240B29-F687-4f45-9708-019B960494DF}">
-                <a14:hiddenLine xmlns="" xmlns:a16="http://schemas.microsoft.com/office/drawing/2014/main" xmlns:p14="http://schemas.microsoft.com/office/powerpoint/2010/main" xmlns:a14="http://schemas.microsoft.com/office/drawing/2010/main" w="9525">
+                <a14:hiddenLine xmlns:a14="http://schemas.microsoft.com/office/drawing/2010/main" xmlns:p14="http://schemas.microsoft.com/office/powerpoint/2010/main" xmlns:a16="http://schemas.microsoft.com/office/drawing/2014/main" xmlns="" w="9525">
                   <a:solidFill>
                     <a:srgbClr val="000000"/>
                   </a:solidFill>
@@ -20702,7 +20710,7 @@
             </a:ln>
             <a:extLst>
               <a:ext uri="{91240B29-F687-4f45-9708-019B960494DF}">
-                <a14:hiddenLine xmlns="" xmlns:a16="http://schemas.microsoft.com/office/drawing/2014/main" xmlns:p14="http://schemas.microsoft.com/office/powerpoint/2010/main" xmlns:a14="http://schemas.microsoft.com/office/drawing/2010/main" w="9525">
+                <a14:hiddenLine xmlns:a14="http://schemas.microsoft.com/office/drawing/2010/main" xmlns:p14="http://schemas.microsoft.com/office/powerpoint/2010/main" xmlns:a16="http://schemas.microsoft.com/office/drawing/2014/main" xmlns="" w="9525">
                   <a:solidFill>
                     <a:srgbClr val="000000"/>
                   </a:solidFill>
@@ -20807,7 +20815,7 @@
             </a:ln>
             <a:extLst>
               <a:ext uri="{91240B29-F687-4f45-9708-019B960494DF}">
-                <a14:hiddenLine xmlns="" xmlns:a16="http://schemas.microsoft.com/office/drawing/2014/main" xmlns:p14="http://schemas.microsoft.com/office/powerpoint/2010/main" xmlns:a14="http://schemas.microsoft.com/office/drawing/2010/main" w="9525">
+                <a14:hiddenLine xmlns:a14="http://schemas.microsoft.com/office/drawing/2010/main" xmlns:p14="http://schemas.microsoft.com/office/powerpoint/2010/main" xmlns:a16="http://schemas.microsoft.com/office/drawing/2014/main" xmlns="" w="9525">
                   <a:solidFill>
                     <a:srgbClr val="000000"/>
                   </a:solidFill>
@@ -20884,7 +20892,7 @@
             </a:ln>
             <a:extLst>
               <a:ext uri="{91240B29-F687-4f45-9708-019B960494DF}">
-                <a14:hiddenLine xmlns="" xmlns:a16="http://schemas.microsoft.com/office/drawing/2014/main" xmlns:p14="http://schemas.microsoft.com/office/powerpoint/2010/main" xmlns:a14="http://schemas.microsoft.com/office/drawing/2010/main" w="9525">
+                <a14:hiddenLine xmlns:a14="http://schemas.microsoft.com/office/drawing/2010/main" xmlns:p14="http://schemas.microsoft.com/office/powerpoint/2010/main" xmlns:a16="http://schemas.microsoft.com/office/drawing/2014/main" xmlns="" w="9525">
                   <a:solidFill>
                     <a:srgbClr val="000000"/>
                   </a:solidFill>
@@ -20989,7 +20997,7 @@
             </a:ln>
             <a:extLst>
               <a:ext uri="{91240B29-F687-4f45-9708-019B960494DF}">
-                <a14:hiddenLine xmlns="" xmlns:a16="http://schemas.microsoft.com/office/drawing/2014/main" xmlns:p14="http://schemas.microsoft.com/office/powerpoint/2010/main" xmlns:a14="http://schemas.microsoft.com/office/drawing/2010/main" w="9525">
+                <a14:hiddenLine xmlns:a14="http://schemas.microsoft.com/office/drawing/2010/main" xmlns:p14="http://schemas.microsoft.com/office/powerpoint/2010/main" xmlns:a16="http://schemas.microsoft.com/office/drawing/2014/main" xmlns="" w="9525">
                   <a:solidFill>
                     <a:srgbClr val="000000"/>
                   </a:solidFill>
@@ -21094,7 +21102,7 @@
             </a:ln>
             <a:extLst>
               <a:ext uri="{91240B29-F687-4f45-9708-019B960494DF}">
-                <a14:hiddenLine xmlns="" xmlns:a16="http://schemas.microsoft.com/office/drawing/2014/main" xmlns:p14="http://schemas.microsoft.com/office/powerpoint/2010/main" xmlns:a14="http://schemas.microsoft.com/office/drawing/2010/main" w="9525">
+                <a14:hiddenLine xmlns:a14="http://schemas.microsoft.com/office/drawing/2010/main" xmlns:p14="http://schemas.microsoft.com/office/powerpoint/2010/main" xmlns:a16="http://schemas.microsoft.com/office/drawing/2014/main" xmlns="" w="9525">
                   <a:solidFill>
                     <a:srgbClr val="000000"/>
                   </a:solidFill>
@@ -21174,7 +21182,7 @@
             </a:ln>
             <a:extLst>
               <a:ext uri="{91240B29-F687-4f45-9708-019B960494DF}">
-                <a14:hiddenLine xmlns="" xmlns:a16="http://schemas.microsoft.com/office/drawing/2014/main" xmlns:p14="http://schemas.microsoft.com/office/powerpoint/2010/main" xmlns:a14="http://schemas.microsoft.com/office/drawing/2010/main" w="9525">
+                <a14:hiddenLine xmlns:a14="http://schemas.microsoft.com/office/drawing/2010/main" xmlns:p14="http://schemas.microsoft.com/office/powerpoint/2010/main" xmlns:a16="http://schemas.microsoft.com/office/drawing/2014/main" xmlns="" w="9525">
                   <a:solidFill>
                     <a:srgbClr val="000000"/>
                   </a:solidFill>
@@ -21251,7 +21259,7 @@
             </a:ln>
             <a:extLst>
               <a:ext uri="{91240B29-F687-4f45-9708-019B960494DF}">
-                <a14:hiddenLine xmlns="" xmlns:a16="http://schemas.microsoft.com/office/drawing/2014/main" xmlns:p14="http://schemas.microsoft.com/office/powerpoint/2010/main" xmlns:a14="http://schemas.microsoft.com/office/drawing/2010/main" w="9525">
+                <a14:hiddenLine xmlns:a14="http://schemas.microsoft.com/office/drawing/2010/main" xmlns:p14="http://schemas.microsoft.com/office/powerpoint/2010/main" xmlns:a16="http://schemas.microsoft.com/office/drawing/2014/main" xmlns="" w="9525">
                   <a:solidFill>
                     <a:srgbClr val="000000"/>
                   </a:solidFill>
@@ -21356,7 +21364,7 @@
             </a:ln>
             <a:extLst>
               <a:ext uri="{91240B29-F687-4f45-9708-019B960494DF}">
-                <a14:hiddenLine xmlns="" xmlns:a16="http://schemas.microsoft.com/office/drawing/2014/main" xmlns:p14="http://schemas.microsoft.com/office/powerpoint/2010/main" xmlns:a14="http://schemas.microsoft.com/office/drawing/2010/main" w="9525">
+                <a14:hiddenLine xmlns:a14="http://schemas.microsoft.com/office/drawing/2010/main" xmlns:p14="http://schemas.microsoft.com/office/powerpoint/2010/main" xmlns:a16="http://schemas.microsoft.com/office/drawing/2014/main" xmlns="" w="9525">
                   <a:solidFill>
                     <a:srgbClr val="000000"/>
                   </a:solidFill>
@@ -21461,7 +21469,7 @@
             </a:ln>
             <a:extLst>
               <a:ext uri="{91240B29-F687-4f45-9708-019B960494DF}">
-                <a14:hiddenLine xmlns="" xmlns:a16="http://schemas.microsoft.com/office/drawing/2014/main" xmlns:p14="http://schemas.microsoft.com/office/powerpoint/2010/main" xmlns:a14="http://schemas.microsoft.com/office/drawing/2010/main" w="9525">
+                <a14:hiddenLine xmlns:a14="http://schemas.microsoft.com/office/drawing/2010/main" xmlns:p14="http://schemas.microsoft.com/office/powerpoint/2010/main" xmlns:a16="http://schemas.microsoft.com/office/drawing/2014/main" xmlns="" w="9525">
                   <a:solidFill>
                     <a:srgbClr val="000000"/>
                   </a:solidFill>
@@ -21538,7 +21546,7 @@
             </a:ln>
             <a:extLst>
               <a:ext uri="{91240B29-F687-4f45-9708-019B960494DF}">
-                <a14:hiddenLine xmlns="" xmlns:a16="http://schemas.microsoft.com/office/drawing/2014/main" xmlns:p14="http://schemas.microsoft.com/office/powerpoint/2010/main" xmlns:a14="http://schemas.microsoft.com/office/drawing/2010/main" w="9525">
+                <a14:hiddenLine xmlns:a14="http://schemas.microsoft.com/office/drawing/2010/main" xmlns:p14="http://schemas.microsoft.com/office/powerpoint/2010/main" xmlns:a16="http://schemas.microsoft.com/office/drawing/2014/main" xmlns="" w="9525">
                   <a:solidFill>
                     <a:srgbClr val="000000"/>
                   </a:solidFill>
@@ -21673,7 +21681,7 @@
             </a:ln>
             <a:extLst>
               <a:ext uri="{91240B29-F687-4f45-9708-019B960494DF}">
-                <a14:hiddenLine xmlns="" xmlns:a16="http://schemas.microsoft.com/office/drawing/2014/main" xmlns:p14="http://schemas.microsoft.com/office/powerpoint/2010/main" xmlns:a14="http://schemas.microsoft.com/office/drawing/2010/main" w="9525">
+                <a14:hiddenLine xmlns:a14="http://schemas.microsoft.com/office/drawing/2010/main" xmlns:p14="http://schemas.microsoft.com/office/powerpoint/2010/main" xmlns:a16="http://schemas.microsoft.com/office/drawing/2014/main" xmlns="" w="9525">
                   <a:solidFill>
                     <a:srgbClr val="000000"/>
                   </a:solidFill>
@@ -21756,7 +21764,7 @@
             </a:ln>
             <a:extLst>
               <a:ext uri="{91240B29-F687-4f45-9708-019B960494DF}">
-                <a14:hiddenLine xmlns="" xmlns:a16="http://schemas.microsoft.com/office/drawing/2014/main" xmlns:p14="http://schemas.microsoft.com/office/powerpoint/2010/main" xmlns:a14="http://schemas.microsoft.com/office/drawing/2010/main" w="9525">
+                <a14:hiddenLine xmlns:a14="http://schemas.microsoft.com/office/drawing/2010/main" xmlns:p14="http://schemas.microsoft.com/office/powerpoint/2010/main" xmlns:a16="http://schemas.microsoft.com/office/drawing/2014/main" xmlns="" w="9525">
                   <a:solidFill>
                     <a:srgbClr val="000000"/>
                   </a:solidFill>
@@ -21861,7 +21869,7 @@
             </a:ln>
             <a:extLst>
               <a:ext uri="{91240B29-F687-4f45-9708-019B960494DF}">
-                <a14:hiddenLine xmlns="" xmlns:a16="http://schemas.microsoft.com/office/drawing/2014/main" xmlns:p14="http://schemas.microsoft.com/office/powerpoint/2010/main" xmlns:a14="http://schemas.microsoft.com/office/drawing/2010/main" w="9525">
+                <a14:hiddenLine xmlns:a14="http://schemas.microsoft.com/office/drawing/2010/main" xmlns:p14="http://schemas.microsoft.com/office/powerpoint/2010/main" xmlns:a16="http://schemas.microsoft.com/office/drawing/2014/main" xmlns="" w="9525">
                   <a:solidFill>
                     <a:srgbClr val="000000"/>
                   </a:solidFill>
@@ -22127,7 +22135,7 @@
           <a:noFill/>
           <a:extLst>
             <a:ext uri="{909E8E84-426E-40dd-AFC4-6F175D3DCCD1}">
-              <a14:hiddenFill xmlns="" xmlns:a16="http://schemas.microsoft.com/office/drawing/2014/main" xmlns:p14="http://schemas.microsoft.com/office/powerpoint/2010/main" xmlns:a14="http://schemas.microsoft.com/office/drawing/2010/main">
+              <a14:hiddenFill xmlns:a14="http://schemas.microsoft.com/office/drawing/2010/main" xmlns:p14="http://schemas.microsoft.com/office/powerpoint/2010/main" xmlns:a16="http://schemas.microsoft.com/office/drawing/2014/main" xmlns="">
                 <a:solidFill>
                   <a:srgbClr val="FFFFFF"/>
                 </a:solidFill>
@@ -22218,7 +22226,7 @@
             </a:ln>
             <a:extLst>
               <a:ext uri="{91240B29-F687-4f45-9708-019B960494DF}">
-                <a14:hiddenLine xmlns="" xmlns:a16="http://schemas.microsoft.com/office/drawing/2014/main" xmlns:p14="http://schemas.microsoft.com/office/powerpoint/2010/main" xmlns:a14="http://schemas.microsoft.com/office/drawing/2010/main" w="9525">
+                <a14:hiddenLine xmlns:a14="http://schemas.microsoft.com/office/drawing/2010/main" xmlns:p14="http://schemas.microsoft.com/office/powerpoint/2010/main" xmlns:a16="http://schemas.microsoft.com/office/drawing/2014/main" xmlns="" w="9525">
                   <a:solidFill>
                     <a:srgbClr val="000000"/>
                   </a:solidFill>
@@ -22323,7 +22331,7 @@
             </a:ln>
             <a:extLst>
               <a:ext uri="{91240B29-F687-4f45-9708-019B960494DF}">
-                <a14:hiddenLine xmlns="" xmlns:a16="http://schemas.microsoft.com/office/drawing/2014/main" xmlns:p14="http://schemas.microsoft.com/office/powerpoint/2010/main" xmlns:a14="http://schemas.microsoft.com/office/drawing/2010/main" w="9525">
+                <a14:hiddenLine xmlns:a14="http://schemas.microsoft.com/office/drawing/2010/main" xmlns:p14="http://schemas.microsoft.com/office/powerpoint/2010/main" xmlns:a16="http://schemas.microsoft.com/office/drawing/2014/main" xmlns="" w="9525">
                   <a:solidFill>
                     <a:srgbClr val="000000"/>
                   </a:solidFill>
@@ -22428,7 +22436,7 @@
             </a:ln>
             <a:extLst>
               <a:ext uri="{91240B29-F687-4f45-9708-019B960494DF}">
-                <a14:hiddenLine xmlns="" xmlns:a16="http://schemas.microsoft.com/office/drawing/2014/main" xmlns:p14="http://schemas.microsoft.com/office/powerpoint/2010/main" xmlns:a14="http://schemas.microsoft.com/office/drawing/2010/main" w="9525">
+                <a14:hiddenLine xmlns:a14="http://schemas.microsoft.com/office/drawing/2010/main" xmlns:p14="http://schemas.microsoft.com/office/powerpoint/2010/main" xmlns:a16="http://schemas.microsoft.com/office/drawing/2014/main" xmlns="" w="9525">
                   <a:solidFill>
                     <a:srgbClr val="000000"/>
                   </a:solidFill>
@@ -22477,7 +22485,7 @@
             </a:ln>
             <a:extLst>
               <a:ext uri="{91240B29-F687-4f45-9708-019B960494DF}">
-                <a14:hiddenLine xmlns="" xmlns:a16="http://schemas.microsoft.com/office/drawing/2014/main" xmlns:p14="http://schemas.microsoft.com/office/powerpoint/2010/main" xmlns:a14="http://schemas.microsoft.com/office/drawing/2010/main" w="9525">
+                <a14:hiddenLine xmlns:a14="http://schemas.microsoft.com/office/drawing/2010/main" xmlns:p14="http://schemas.microsoft.com/office/powerpoint/2010/main" xmlns:a16="http://schemas.microsoft.com/office/drawing/2014/main" xmlns="" w="9525">
                   <a:solidFill>
                     <a:srgbClr val="000000"/>
                   </a:solidFill>
@@ -22582,7 +22590,7 @@
             </a:ln>
             <a:extLst>
               <a:ext uri="{91240B29-F687-4f45-9708-019B960494DF}">
-                <a14:hiddenLine xmlns="" xmlns:a16="http://schemas.microsoft.com/office/drawing/2014/main" xmlns:p14="http://schemas.microsoft.com/office/powerpoint/2010/main" xmlns:a14="http://schemas.microsoft.com/office/drawing/2010/main" w="9525">
+                <a14:hiddenLine xmlns:a14="http://schemas.microsoft.com/office/drawing/2010/main" xmlns:p14="http://schemas.microsoft.com/office/powerpoint/2010/main" xmlns:a16="http://schemas.microsoft.com/office/drawing/2014/main" xmlns="" w="9525">
                   <a:solidFill>
                     <a:srgbClr val="000000"/>
                   </a:solidFill>
@@ -22659,7 +22667,7 @@
             </a:ln>
             <a:extLst>
               <a:ext uri="{91240B29-F687-4f45-9708-019B960494DF}">
-                <a14:hiddenLine xmlns="" xmlns:a16="http://schemas.microsoft.com/office/drawing/2014/main" xmlns:p14="http://schemas.microsoft.com/office/powerpoint/2010/main" xmlns:a14="http://schemas.microsoft.com/office/drawing/2010/main" w="9525">
+                <a14:hiddenLine xmlns:a14="http://schemas.microsoft.com/office/drawing/2010/main" xmlns:p14="http://schemas.microsoft.com/office/powerpoint/2010/main" xmlns:a16="http://schemas.microsoft.com/office/drawing/2014/main" xmlns="" w="9525">
                   <a:solidFill>
                     <a:srgbClr val="000000"/>
                   </a:solidFill>
@@ -22736,7 +22744,7 @@
             </a:ln>
             <a:extLst>
               <a:ext uri="{91240B29-F687-4f45-9708-019B960494DF}">
-                <a14:hiddenLine xmlns="" xmlns:a16="http://schemas.microsoft.com/office/drawing/2014/main" xmlns:p14="http://schemas.microsoft.com/office/powerpoint/2010/main" xmlns:a14="http://schemas.microsoft.com/office/drawing/2010/main" w="9525">
+                <a14:hiddenLine xmlns:a14="http://schemas.microsoft.com/office/drawing/2010/main" xmlns:p14="http://schemas.microsoft.com/office/powerpoint/2010/main" xmlns:a16="http://schemas.microsoft.com/office/drawing/2014/main" xmlns="" w="9525">
                   <a:solidFill>
                     <a:srgbClr val="000000"/>
                   </a:solidFill>
@@ -22841,7 +22849,7 @@
             </a:ln>
             <a:extLst>
               <a:ext uri="{91240B29-F687-4f45-9708-019B960494DF}">
-                <a14:hiddenLine xmlns="" xmlns:a16="http://schemas.microsoft.com/office/drawing/2014/main" xmlns:p14="http://schemas.microsoft.com/office/powerpoint/2010/main" xmlns:a14="http://schemas.microsoft.com/office/drawing/2010/main" w="9525">
+                <a14:hiddenLine xmlns:a14="http://schemas.microsoft.com/office/drawing/2010/main" xmlns:p14="http://schemas.microsoft.com/office/powerpoint/2010/main" xmlns:a16="http://schemas.microsoft.com/office/drawing/2014/main" xmlns="" w="9525">
                   <a:solidFill>
                     <a:srgbClr val="000000"/>
                   </a:solidFill>
@@ -22918,7 +22926,7 @@
             </a:ln>
             <a:extLst>
               <a:ext uri="{91240B29-F687-4f45-9708-019B960494DF}">
-                <a14:hiddenLine xmlns="" xmlns:a16="http://schemas.microsoft.com/office/drawing/2014/main" xmlns:p14="http://schemas.microsoft.com/office/powerpoint/2010/main" xmlns:a14="http://schemas.microsoft.com/office/drawing/2010/main" w="9525">
+                <a14:hiddenLine xmlns:a14="http://schemas.microsoft.com/office/drawing/2010/main" xmlns:p14="http://schemas.microsoft.com/office/powerpoint/2010/main" xmlns:a16="http://schemas.microsoft.com/office/drawing/2014/main" xmlns="" w="9525">
                   <a:solidFill>
                     <a:srgbClr val="000000"/>
                   </a:solidFill>
@@ -22995,7 +23003,7 @@
             </a:ln>
             <a:extLst>
               <a:ext uri="{91240B29-F687-4f45-9708-019B960494DF}">
-                <a14:hiddenLine xmlns="" xmlns:a16="http://schemas.microsoft.com/office/drawing/2014/main" xmlns:p14="http://schemas.microsoft.com/office/powerpoint/2010/main" xmlns:a14="http://schemas.microsoft.com/office/drawing/2010/main" w="9525">
+                <a14:hiddenLine xmlns:a14="http://schemas.microsoft.com/office/drawing/2010/main" xmlns:p14="http://schemas.microsoft.com/office/powerpoint/2010/main" xmlns:a16="http://schemas.microsoft.com/office/drawing/2014/main" xmlns="" w="9525">
                   <a:solidFill>
                     <a:srgbClr val="000000"/>
                   </a:solidFill>
@@ -23100,7 +23108,7 @@
             </a:ln>
             <a:extLst>
               <a:ext uri="{91240B29-F687-4f45-9708-019B960494DF}">
-                <a14:hiddenLine xmlns="" xmlns:a16="http://schemas.microsoft.com/office/drawing/2014/main" xmlns:p14="http://schemas.microsoft.com/office/powerpoint/2010/main" xmlns:a14="http://schemas.microsoft.com/office/drawing/2010/main" w="9525">
+                <a14:hiddenLine xmlns:a14="http://schemas.microsoft.com/office/drawing/2010/main" xmlns:p14="http://schemas.microsoft.com/office/powerpoint/2010/main" xmlns:a16="http://schemas.microsoft.com/office/drawing/2014/main" xmlns="" w="9525">
                   <a:solidFill>
                     <a:srgbClr val="000000"/>
                   </a:solidFill>
@@ -23205,7 +23213,7 @@
             </a:ln>
             <a:extLst>
               <a:ext uri="{91240B29-F687-4f45-9708-019B960494DF}">
-                <a14:hiddenLine xmlns="" xmlns:a16="http://schemas.microsoft.com/office/drawing/2014/main" xmlns:p14="http://schemas.microsoft.com/office/powerpoint/2010/main" xmlns:a14="http://schemas.microsoft.com/office/drawing/2010/main" w="9525">
+                <a14:hiddenLine xmlns:a14="http://schemas.microsoft.com/office/drawing/2010/main" xmlns:p14="http://schemas.microsoft.com/office/powerpoint/2010/main" xmlns:a16="http://schemas.microsoft.com/office/drawing/2014/main" xmlns="" w="9525">
                   <a:solidFill>
                     <a:srgbClr val="000000"/>
                   </a:solidFill>
@@ -23282,7 +23290,7 @@
             </a:ln>
             <a:extLst>
               <a:ext uri="{91240B29-F687-4f45-9708-019B960494DF}">
-                <a14:hiddenLine xmlns="" xmlns:a16="http://schemas.microsoft.com/office/drawing/2014/main" xmlns:p14="http://schemas.microsoft.com/office/powerpoint/2010/main" xmlns:a14="http://schemas.microsoft.com/office/drawing/2010/main" w="9525">
+                <a14:hiddenLine xmlns:a14="http://schemas.microsoft.com/office/drawing/2010/main" xmlns:p14="http://schemas.microsoft.com/office/powerpoint/2010/main" xmlns:a16="http://schemas.microsoft.com/office/drawing/2014/main" xmlns="" w="9525">
                   <a:solidFill>
                     <a:srgbClr val="000000"/>
                   </a:solidFill>
@@ -23407,7 +23415,7 @@
             </a:ln>
             <a:extLst>
               <a:ext uri="{91240B29-F687-4f45-9708-019B960494DF}">
-                <a14:hiddenLine xmlns="" xmlns:a16="http://schemas.microsoft.com/office/drawing/2014/main" xmlns:p14="http://schemas.microsoft.com/office/powerpoint/2010/main" xmlns:a14="http://schemas.microsoft.com/office/drawing/2010/main" w="9525">
+                <a14:hiddenLine xmlns:a14="http://schemas.microsoft.com/office/drawing/2010/main" xmlns:p14="http://schemas.microsoft.com/office/powerpoint/2010/main" xmlns:a16="http://schemas.microsoft.com/office/drawing/2014/main" xmlns="" w="9525">
                   <a:solidFill>
                     <a:srgbClr val="000000"/>
                   </a:solidFill>
@@ -23484,7 +23492,7 @@
             </a:ln>
             <a:extLst>
               <a:ext uri="{91240B29-F687-4f45-9708-019B960494DF}">
-                <a14:hiddenLine xmlns="" xmlns:a16="http://schemas.microsoft.com/office/drawing/2014/main" xmlns:p14="http://schemas.microsoft.com/office/powerpoint/2010/main" xmlns:a14="http://schemas.microsoft.com/office/drawing/2010/main" w="9525">
+                <a14:hiddenLine xmlns:a14="http://schemas.microsoft.com/office/drawing/2010/main" xmlns:p14="http://schemas.microsoft.com/office/powerpoint/2010/main" xmlns:a16="http://schemas.microsoft.com/office/drawing/2014/main" xmlns="" w="9525">
                   <a:solidFill>
                     <a:srgbClr val="000000"/>
                   </a:solidFill>
@@ -23589,7 +23597,7 @@
             </a:ln>
             <a:extLst>
               <a:ext uri="{91240B29-F687-4f45-9708-019B960494DF}">
-                <a14:hiddenLine xmlns="" xmlns:a16="http://schemas.microsoft.com/office/drawing/2014/main" xmlns:p14="http://schemas.microsoft.com/office/powerpoint/2010/main" xmlns:a14="http://schemas.microsoft.com/office/drawing/2010/main" w="9525">
+                <a14:hiddenLine xmlns:a14="http://schemas.microsoft.com/office/drawing/2010/main" xmlns:p14="http://schemas.microsoft.com/office/powerpoint/2010/main" xmlns:a16="http://schemas.microsoft.com/office/drawing/2014/main" xmlns="" w="9525">
                   <a:solidFill>
                     <a:srgbClr val="000000"/>
                   </a:solidFill>
@@ -23694,7 +23702,7 @@
             </a:ln>
             <a:extLst>
               <a:ext uri="{91240B29-F687-4f45-9708-019B960494DF}">
-                <a14:hiddenLine xmlns="" xmlns:a16="http://schemas.microsoft.com/office/drawing/2014/main" xmlns:p14="http://schemas.microsoft.com/office/powerpoint/2010/main" xmlns:a14="http://schemas.microsoft.com/office/drawing/2010/main" w="9525">
+                <a14:hiddenLine xmlns:a14="http://schemas.microsoft.com/office/drawing/2010/main" xmlns:p14="http://schemas.microsoft.com/office/powerpoint/2010/main" xmlns:a16="http://schemas.microsoft.com/office/drawing/2014/main" xmlns="" w="9525">
                   <a:solidFill>
                     <a:srgbClr val="000000"/>
                   </a:solidFill>
@@ -23771,7 +23779,7 @@
             </a:ln>
             <a:extLst>
               <a:ext uri="{91240B29-F687-4f45-9708-019B960494DF}">
-                <a14:hiddenLine xmlns="" xmlns:a16="http://schemas.microsoft.com/office/drawing/2014/main" xmlns:p14="http://schemas.microsoft.com/office/powerpoint/2010/main" xmlns:a14="http://schemas.microsoft.com/office/drawing/2010/main" w="9525">
+                <a14:hiddenLine xmlns:a14="http://schemas.microsoft.com/office/drawing/2010/main" xmlns:p14="http://schemas.microsoft.com/office/powerpoint/2010/main" xmlns:a16="http://schemas.microsoft.com/office/drawing/2014/main" xmlns="" w="9525">
                   <a:solidFill>
                     <a:srgbClr val="000000"/>
                   </a:solidFill>
@@ -23876,7 +23884,7 @@
             </a:ln>
             <a:extLst>
               <a:ext uri="{91240B29-F687-4f45-9708-019B960494DF}">
-                <a14:hiddenLine xmlns="" xmlns:a16="http://schemas.microsoft.com/office/drawing/2014/main" xmlns:p14="http://schemas.microsoft.com/office/powerpoint/2010/main" xmlns:a14="http://schemas.microsoft.com/office/drawing/2010/main" w="9525">
+                <a14:hiddenLine xmlns:a14="http://schemas.microsoft.com/office/drawing/2010/main" xmlns:p14="http://schemas.microsoft.com/office/powerpoint/2010/main" xmlns:a16="http://schemas.microsoft.com/office/drawing/2014/main" xmlns="" w="9525">
                   <a:solidFill>
                     <a:srgbClr val="000000"/>
                   </a:solidFill>
@@ -23981,7 +23989,7 @@
             </a:ln>
             <a:extLst>
               <a:ext uri="{91240B29-F687-4f45-9708-019B960494DF}">
-                <a14:hiddenLine xmlns="" xmlns:a16="http://schemas.microsoft.com/office/drawing/2014/main" xmlns:p14="http://schemas.microsoft.com/office/powerpoint/2010/main" xmlns:a14="http://schemas.microsoft.com/office/drawing/2010/main" w="9525">
+                <a14:hiddenLine xmlns:a14="http://schemas.microsoft.com/office/drawing/2010/main" xmlns:p14="http://schemas.microsoft.com/office/powerpoint/2010/main" xmlns:a16="http://schemas.microsoft.com/office/drawing/2014/main" xmlns="" w="9525">
                   <a:solidFill>
                     <a:srgbClr val="000000"/>
                   </a:solidFill>
@@ -24052,7 +24060,7 @@
             </a:ln>
             <a:extLst>
               <a:ext uri="{91240B29-F687-4f45-9708-019B960494DF}">
-                <a14:hiddenLine xmlns="" xmlns:a16="http://schemas.microsoft.com/office/drawing/2014/main" xmlns:p14="http://schemas.microsoft.com/office/powerpoint/2010/main" xmlns:a14="http://schemas.microsoft.com/office/drawing/2010/main" w="9525">
+                <a14:hiddenLine xmlns:a14="http://schemas.microsoft.com/office/drawing/2010/main" xmlns:p14="http://schemas.microsoft.com/office/powerpoint/2010/main" xmlns:a16="http://schemas.microsoft.com/office/drawing/2014/main" xmlns="" w="9525">
                   <a:solidFill>
                     <a:srgbClr val="000000"/>
                   </a:solidFill>
@@ -24157,7 +24165,7 @@
             </a:ln>
             <a:extLst>
               <a:ext uri="{91240B29-F687-4f45-9708-019B960494DF}">
-                <a14:hiddenLine xmlns="" xmlns:a16="http://schemas.microsoft.com/office/drawing/2014/main" xmlns:p14="http://schemas.microsoft.com/office/powerpoint/2010/main" xmlns:a14="http://schemas.microsoft.com/office/drawing/2010/main" w="9525">
+                <a14:hiddenLine xmlns:a14="http://schemas.microsoft.com/office/drawing/2010/main" xmlns:p14="http://schemas.microsoft.com/office/powerpoint/2010/main" xmlns:a16="http://schemas.microsoft.com/office/drawing/2014/main" xmlns="" w="9525">
                   <a:solidFill>
                     <a:srgbClr val="000000"/>
                   </a:solidFill>
@@ -24228,7 +24236,7 @@
             </a:ln>
             <a:extLst>
               <a:ext uri="{91240B29-F687-4f45-9708-019B960494DF}">
-                <a14:hiddenLine xmlns="" xmlns:a16="http://schemas.microsoft.com/office/drawing/2014/main" xmlns:p14="http://schemas.microsoft.com/office/powerpoint/2010/main" xmlns:a14="http://schemas.microsoft.com/office/drawing/2010/main" w="9525">
+                <a14:hiddenLine xmlns:a14="http://schemas.microsoft.com/office/drawing/2010/main" xmlns:p14="http://schemas.microsoft.com/office/powerpoint/2010/main" xmlns:a16="http://schemas.microsoft.com/office/drawing/2014/main" xmlns="" w="9525">
                   <a:solidFill>
                     <a:srgbClr val="000000"/>
                   </a:solidFill>
@@ -24333,7 +24341,7 @@
             </a:ln>
             <a:extLst>
               <a:ext uri="{91240B29-F687-4f45-9708-019B960494DF}">
-                <a14:hiddenLine xmlns="" xmlns:a16="http://schemas.microsoft.com/office/drawing/2014/main" xmlns:p14="http://schemas.microsoft.com/office/powerpoint/2010/main" xmlns:a14="http://schemas.microsoft.com/office/drawing/2010/main" w="9525">
+                <a14:hiddenLine xmlns:a14="http://schemas.microsoft.com/office/drawing/2010/main" xmlns:p14="http://schemas.microsoft.com/office/powerpoint/2010/main" xmlns:a16="http://schemas.microsoft.com/office/drawing/2014/main" xmlns="" w="9525">
                   <a:solidFill>
                     <a:srgbClr val="000000"/>
                   </a:solidFill>
@@ -24416,7 +24424,7 @@
             </a:ln>
             <a:extLst>
               <a:ext uri="{91240B29-F687-4f45-9708-019B960494DF}">
-                <a14:hiddenLine xmlns="" xmlns:a16="http://schemas.microsoft.com/office/drawing/2014/main" xmlns:p14="http://schemas.microsoft.com/office/powerpoint/2010/main" xmlns:a14="http://schemas.microsoft.com/office/drawing/2010/main" w="9525">
+                <a14:hiddenLine xmlns:a14="http://schemas.microsoft.com/office/drawing/2010/main" xmlns:p14="http://schemas.microsoft.com/office/powerpoint/2010/main" xmlns:a16="http://schemas.microsoft.com/office/drawing/2014/main" xmlns="" w="9525">
                   <a:solidFill>
                     <a:srgbClr val="000000"/>
                   </a:solidFill>
@@ -24521,7 +24529,7 @@
             </a:ln>
             <a:extLst>
               <a:ext uri="{91240B29-F687-4f45-9708-019B960494DF}">
-                <a14:hiddenLine xmlns="" xmlns:a16="http://schemas.microsoft.com/office/drawing/2014/main" xmlns:p14="http://schemas.microsoft.com/office/powerpoint/2010/main" xmlns:a14="http://schemas.microsoft.com/office/drawing/2010/main" w="9525">
+                <a14:hiddenLine xmlns:a14="http://schemas.microsoft.com/office/drawing/2010/main" xmlns:p14="http://schemas.microsoft.com/office/powerpoint/2010/main" xmlns:a16="http://schemas.microsoft.com/office/drawing/2014/main" xmlns="" w="9525">
                   <a:solidFill>
                     <a:srgbClr val="000000"/>
                   </a:solidFill>
@@ -24604,7 +24612,7 @@
             </a:ln>
             <a:extLst>
               <a:ext uri="{91240B29-F687-4f45-9708-019B960494DF}">
-                <a14:hiddenLine xmlns="" xmlns:a16="http://schemas.microsoft.com/office/drawing/2014/main" xmlns:p14="http://schemas.microsoft.com/office/powerpoint/2010/main" xmlns:a14="http://schemas.microsoft.com/office/drawing/2010/main" w="9525">
+                <a14:hiddenLine xmlns:a14="http://schemas.microsoft.com/office/drawing/2010/main" xmlns:p14="http://schemas.microsoft.com/office/powerpoint/2010/main" xmlns:a16="http://schemas.microsoft.com/office/drawing/2014/main" xmlns="" w="9525">
                   <a:solidFill>
                     <a:srgbClr val="000000"/>
                   </a:solidFill>
@@ -24709,7 +24717,7 @@
             </a:ln>
             <a:extLst>
               <a:ext uri="{91240B29-F687-4f45-9708-019B960494DF}">
-                <a14:hiddenLine xmlns="" xmlns:a16="http://schemas.microsoft.com/office/drawing/2014/main" xmlns:p14="http://schemas.microsoft.com/office/powerpoint/2010/main" xmlns:a14="http://schemas.microsoft.com/office/drawing/2010/main" w="9525">
+                <a14:hiddenLine xmlns:a14="http://schemas.microsoft.com/office/drawing/2010/main" xmlns:p14="http://schemas.microsoft.com/office/powerpoint/2010/main" xmlns:a16="http://schemas.microsoft.com/office/drawing/2014/main" xmlns="" w="9525">
                   <a:solidFill>
                     <a:srgbClr val="000000"/>
                   </a:solidFill>
@@ -24758,7 +24766,7 @@
             </a:ln>
             <a:extLst>
               <a:ext uri="{91240B29-F687-4f45-9708-019B960494DF}">
-                <a14:hiddenLine xmlns="" xmlns:a16="http://schemas.microsoft.com/office/drawing/2014/main" xmlns:p14="http://schemas.microsoft.com/office/powerpoint/2010/main" xmlns:a14="http://schemas.microsoft.com/office/drawing/2010/main" w="9525">
+                <a14:hiddenLine xmlns:a14="http://schemas.microsoft.com/office/drawing/2010/main" xmlns:p14="http://schemas.microsoft.com/office/powerpoint/2010/main" xmlns:a16="http://schemas.microsoft.com/office/drawing/2014/main" xmlns="" w="9525">
                   <a:solidFill>
                     <a:srgbClr val="000000"/>
                   </a:solidFill>
@@ -24863,7 +24871,7 @@
             </a:ln>
             <a:extLst>
               <a:ext uri="{91240B29-F687-4f45-9708-019B960494DF}">
-                <a14:hiddenLine xmlns="" xmlns:a16="http://schemas.microsoft.com/office/drawing/2014/main" xmlns:p14="http://schemas.microsoft.com/office/powerpoint/2010/main" xmlns:a14="http://schemas.microsoft.com/office/drawing/2010/main" w="9525">
+                <a14:hiddenLine xmlns:a14="http://schemas.microsoft.com/office/drawing/2010/main" xmlns:p14="http://schemas.microsoft.com/office/powerpoint/2010/main" xmlns:a16="http://schemas.microsoft.com/office/drawing/2014/main" xmlns="" w="9525">
                   <a:solidFill>
                     <a:srgbClr val="000000"/>
                   </a:solidFill>
@@ -24940,7 +24948,7 @@
             </a:ln>
             <a:extLst>
               <a:ext uri="{91240B29-F687-4f45-9708-019B960494DF}">
-                <a14:hiddenLine xmlns="" xmlns:a16="http://schemas.microsoft.com/office/drawing/2014/main" xmlns:p14="http://schemas.microsoft.com/office/powerpoint/2010/main" xmlns:a14="http://schemas.microsoft.com/office/drawing/2010/main" w="9525">
+                <a14:hiddenLine xmlns:a14="http://schemas.microsoft.com/office/drawing/2010/main" xmlns:p14="http://schemas.microsoft.com/office/powerpoint/2010/main" xmlns:a16="http://schemas.microsoft.com/office/drawing/2014/main" xmlns="" w="9525">
                   <a:solidFill>
                     <a:srgbClr val="000000"/>
                   </a:solidFill>
@@ -25017,7 +25025,7 @@
             </a:ln>
             <a:extLst>
               <a:ext uri="{91240B29-F687-4f45-9708-019B960494DF}">
-                <a14:hiddenLine xmlns="" xmlns:a16="http://schemas.microsoft.com/office/drawing/2014/main" xmlns:p14="http://schemas.microsoft.com/office/powerpoint/2010/main" xmlns:a14="http://schemas.microsoft.com/office/drawing/2010/main" w="9525">
+                <a14:hiddenLine xmlns:a14="http://schemas.microsoft.com/office/drawing/2010/main" xmlns:p14="http://schemas.microsoft.com/office/powerpoint/2010/main" xmlns:a16="http://schemas.microsoft.com/office/drawing/2014/main" xmlns="" w="9525">
                   <a:solidFill>
                     <a:srgbClr val="000000"/>
                   </a:solidFill>
@@ -25122,7 +25130,7 @@
             </a:ln>
             <a:extLst>
               <a:ext uri="{91240B29-F687-4f45-9708-019B960494DF}">
-                <a14:hiddenLine xmlns="" xmlns:a16="http://schemas.microsoft.com/office/drawing/2014/main" xmlns:p14="http://schemas.microsoft.com/office/powerpoint/2010/main" xmlns:a14="http://schemas.microsoft.com/office/drawing/2010/main" w="9525">
+                <a14:hiddenLine xmlns:a14="http://schemas.microsoft.com/office/drawing/2010/main" xmlns:p14="http://schemas.microsoft.com/office/powerpoint/2010/main" xmlns:a16="http://schemas.microsoft.com/office/drawing/2014/main" xmlns="" w="9525">
                   <a:solidFill>
                     <a:srgbClr val="000000"/>
                   </a:solidFill>
@@ -25205,7 +25213,7 @@
             </a:ln>
             <a:extLst>
               <a:ext uri="{91240B29-F687-4f45-9708-019B960494DF}">
-                <a14:hiddenLine xmlns="" xmlns:a16="http://schemas.microsoft.com/office/drawing/2014/main" xmlns:p14="http://schemas.microsoft.com/office/powerpoint/2010/main" xmlns:a14="http://schemas.microsoft.com/office/drawing/2010/main" w="9525">
+                <a14:hiddenLine xmlns:a14="http://schemas.microsoft.com/office/drawing/2010/main" xmlns:p14="http://schemas.microsoft.com/office/powerpoint/2010/main" xmlns:a16="http://schemas.microsoft.com/office/drawing/2014/main" xmlns="" w="9525">
                   <a:solidFill>
                     <a:srgbClr val="000000"/>
                   </a:solidFill>
@@ -25282,7 +25290,7 @@
             </a:ln>
             <a:extLst>
               <a:ext uri="{91240B29-F687-4f45-9708-019B960494DF}">
-                <a14:hiddenLine xmlns="" xmlns:a16="http://schemas.microsoft.com/office/drawing/2014/main" xmlns:p14="http://schemas.microsoft.com/office/powerpoint/2010/main" xmlns:a14="http://schemas.microsoft.com/office/drawing/2010/main" w="9525">
+                <a14:hiddenLine xmlns:a14="http://schemas.microsoft.com/office/drawing/2010/main" xmlns:p14="http://schemas.microsoft.com/office/powerpoint/2010/main" xmlns:a16="http://schemas.microsoft.com/office/drawing/2014/main" xmlns="" w="9525">
                   <a:solidFill>
                     <a:srgbClr val="000000"/>
                   </a:solidFill>
@@ -25387,7 +25395,7 @@
             </a:ln>
             <a:extLst>
               <a:ext uri="{91240B29-F687-4f45-9708-019B960494DF}">
-                <a14:hiddenLine xmlns="" xmlns:a16="http://schemas.microsoft.com/office/drawing/2014/main" xmlns:p14="http://schemas.microsoft.com/office/powerpoint/2010/main" xmlns:a14="http://schemas.microsoft.com/office/drawing/2010/main" w="9525">
+                <a14:hiddenLine xmlns:a14="http://schemas.microsoft.com/office/drawing/2010/main" xmlns:p14="http://schemas.microsoft.com/office/powerpoint/2010/main" xmlns:a16="http://schemas.microsoft.com/office/drawing/2014/main" xmlns="" w="9525">
                   <a:solidFill>
                     <a:srgbClr val="000000"/>
                   </a:solidFill>
@@ -25464,7 +25472,7 @@
             </a:ln>
             <a:extLst>
               <a:ext uri="{91240B29-F687-4f45-9708-019B960494DF}">
-                <a14:hiddenLine xmlns="" xmlns:a16="http://schemas.microsoft.com/office/drawing/2014/main" xmlns:p14="http://schemas.microsoft.com/office/powerpoint/2010/main" xmlns:a14="http://schemas.microsoft.com/office/drawing/2010/main" w="9525">
+                <a14:hiddenLine xmlns:a14="http://schemas.microsoft.com/office/drawing/2010/main" xmlns:p14="http://schemas.microsoft.com/office/powerpoint/2010/main" xmlns:a16="http://schemas.microsoft.com/office/drawing/2014/main" xmlns="" w="9525">
                   <a:solidFill>
                     <a:srgbClr val="000000"/>
                   </a:solidFill>
@@ -25569,7 +25577,7 @@
             </a:ln>
             <a:extLst>
               <a:ext uri="{91240B29-F687-4f45-9708-019B960494DF}">
-                <a14:hiddenLine xmlns="" xmlns:a16="http://schemas.microsoft.com/office/drawing/2014/main" xmlns:p14="http://schemas.microsoft.com/office/powerpoint/2010/main" xmlns:a14="http://schemas.microsoft.com/office/drawing/2010/main" w="9525">
+                <a14:hiddenLine xmlns:a14="http://schemas.microsoft.com/office/drawing/2010/main" xmlns:p14="http://schemas.microsoft.com/office/powerpoint/2010/main" xmlns:a16="http://schemas.microsoft.com/office/drawing/2014/main" xmlns="" w="9525">
                   <a:solidFill>
                     <a:srgbClr val="000000"/>
                   </a:solidFill>
@@ -25646,7 +25654,7 @@
             </a:ln>
             <a:extLst>
               <a:ext uri="{91240B29-F687-4f45-9708-019B960494DF}">
-                <a14:hiddenLine xmlns="" xmlns:a16="http://schemas.microsoft.com/office/drawing/2014/main" xmlns:p14="http://schemas.microsoft.com/office/powerpoint/2010/main" xmlns:a14="http://schemas.microsoft.com/office/drawing/2010/main" w="9525">
+                <a14:hiddenLine xmlns:a14="http://schemas.microsoft.com/office/drawing/2010/main" xmlns:p14="http://schemas.microsoft.com/office/powerpoint/2010/main" xmlns:a16="http://schemas.microsoft.com/office/drawing/2014/main" xmlns="" w="9525">
                   <a:solidFill>
                     <a:srgbClr val="000000"/>
                   </a:solidFill>
@@ -25751,7 +25759,7 @@
             </a:ln>
             <a:extLst>
               <a:ext uri="{91240B29-F687-4f45-9708-019B960494DF}">
-                <a14:hiddenLine xmlns="" xmlns:a16="http://schemas.microsoft.com/office/drawing/2014/main" xmlns:p14="http://schemas.microsoft.com/office/powerpoint/2010/main" xmlns:a14="http://schemas.microsoft.com/office/drawing/2010/main" w="9525">
+                <a14:hiddenLine xmlns:a14="http://schemas.microsoft.com/office/drawing/2010/main" xmlns:p14="http://schemas.microsoft.com/office/powerpoint/2010/main" xmlns:a16="http://schemas.microsoft.com/office/drawing/2014/main" xmlns="" w="9525">
                   <a:solidFill>
                     <a:srgbClr val="000000"/>
                   </a:solidFill>
@@ -25800,7 +25808,7 @@
             </a:ln>
             <a:extLst>
               <a:ext uri="{91240B29-F687-4f45-9708-019B960494DF}">
-                <a14:hiddenLine xmlns="" xmlns:a16="http://schemas.microsoft.com/office/drawing/2014/main" xmlns:p14="http://schemas.microsoft.com/office/powerpoint/2010/main" xmlns:a14="http://schemas.microsoft.com/office/drawing/2010/main" w="9525">
+                <a14:hiddenLine xmlns:a14="http://schemas.microsoft.com/office/drawing/2010/main" xmlns:p14="http://schemas.microsoft.com/office/powerpoint/2010/main" xmlns:a16="http://schemas.microsoft.com/office/drawing/2014/main" xmlns="" w="9525">
                   <a:solidFill>
                     <a:srgbClr val="000000"/>
                   </a:solidFill>
@@ -25880,7 +25888,7 @@
             </a:ln>
             <a:extLst>
               <a:ext uri="{91240B29-F687-4f45-9708-019B960494DF}">
-                <a14:hiddenLine xmlns="" xmlns:a16="http://schemas.microsoft.com/office/drawing/2014/main" xmlns:p14="http://schemas.microsoft.com/office/powerpoint/2010/main" xmlns:a14="http://schemas.microsoft.com/office/drawing/2010/main" w="9525">
+                <a14:hiddenLine xmlns:a14="http://schemas.microsoft.com/office/drawing/2010/main" xmlns:p14="http://schemas.microsoft.com/office/powerpoint/2010/main" xmlns:a16="http://schemas.microsoft.com/office/drawing/2014/main" xmlns="" w="9525">
                   <a:solidFill>
                     <a:srgbClr val="000000"/>
                   </a:solidFill>
@@ -25985,7 +25993,7 @@
             </a:ln>
             <a:extLst>
               <a:ext uri="{91240B29-F687-4f45-9708-019B960494DF}">
-                <a14:hiddenLine xmlns="" xmlns:a16="http://schemas.microsoft.com/office/drawing/2014/main" xmlns:p14="http://schemas.microsoft.com/office/powerpoint/2010/main" xmlns:a14="http://schemas.microsoft.com/office/drawing/2010/main" w="9525">
+                <a14:hiddenLine xmlns:a14="http://schemas.microsoft.com/office/drawing/2010/main" xmlns:p14="http://schemas.microsoft.com/office/powerpoint/2010/main" xmlns:a16="http://schemas.microsoft.com/office/drawing/2014/main" xmlns="" w="9525">
                   <a:solidFill>
                     <a:srgbClr val="000000"/>
                   </a:solidFill>
@@ -26062,7 +26070,7 @@
             </a:ln>
             <a:extLst>
               <a:ext uri="{91240B29-F687-4f45-9708-019B960494DF}">
-                <a14:hiddenLine xmlns="" xmlns:a16="http://schemas.microsoft.com/office/drawing/2014/main" xmlns:p14="http://schemas.microsoft.com/office/powerpoint/2010/main" xmlns:a14="http://schemas.microsoft.com/office/drawing/2010/main" w="9525">
+                <a14:hiddenLine xmlns:a14="http://schemas.microsoft.com/office/drawing/2010/main" xmlns:p14="http://schemas.microsoft.com/office/powerpoint/2010/main" xmlns:a16="http://schemas.microsoft.com/office/drawing/2014/main" xmlns="" w="9525">
                   <a:solidFill>
                     <a:srgbClr val="000000"/>
                   </a:solidFill>
@@ -26167,7 +26175,7 @@
             </a:ln>
             <a:extLst>
               <a:ext uri="{91240B29-F687-4f45-9708-019B960494DF}">
-                <a14:hiddenLine xmlns="" xmlns:a16="http://schemas.microsoft.com/office/drawing/2014/main" xmlns:p14="http://schemas.microsoft.com/office/powerpoint/2010/main" xmlns:a14="http://schemas.microsoft.com/office/drawing/2010/main" w="9525">
+                <a14:hiddenLine xmlns:a14="http://schemas.microsoft.com/office/drawing/2010/main" xmlns:p14="http://schemas.microsoft.com/office/powerpoint/2010/main" xmlns:a16="http://schemas.microsoft.com/office/drawing/2014/main" xmlns="" w="9525">
                   <a:solidFill>
                     <a:srgbClr val="000000"/>
                   </a:solidFill>
@@ -26272,7 +26280,7 @@
             </a:ln>
             <a:extLst>
               <a:ext uri="{91240B29-F687-4f45-9708-019B960494DF}">
-                <a14:hiddenLine xmlns="" xmlns:a16="http://schemas.microsoft.com/office/drawing/2014/main" xmlns:p14="http://schemas.microsoft.com/office/powerpoint/2010/main" xmlns:a14="http://schemas.microsoft.com/office/drawing/2010/main" w="9525">
+                <a14:hiddenLine xmlns:a14="http://schemas.microsoft.com/office/drawing/2010/main" xmlns:p14="http://schemas.microsoft.com/office/powerpoint/2010/main" xmlns:a16="http://schemas.microsoft.com/office/drawing/2014/main" xmlns="" w="9525">
                   <a:solidFill>
                     <a:srgbClr val="000000"/>
                   </a:solidFill>
@@ -26352,7 +26360,7 @@
             </a:ln>
             <a:extLst>
               <a:ext uri="{91240B29-F687-4f45-9708-019B960494DF}">
-                <a14:hiddenLine xmlns="" xmlns:a16="http://schemas.microsoft.com/office/drawing/2014/main" xmlns:p14="http://schemas.microsoft.com/office/powerpoint/2010/main" xmlns:a14="http://schemas.microsoft.com/office/drawing/2010/main" w="9525">
+                <a14:hiddenLine xmlns:a14="http://schemas.microsoft.com/office/drawing/2010/main" xmlns:p14="http://schemas.microsoft.com/office/powerpoint/2010/main" xmlns:a16="http://schemas.microsoft.com/office/drawing/2014/main" xmlns="" w="9525">
                   <a:solidFill>
                     <a:srgbClr val="000000"/>
                   </a:solidFill>
@@ -26429,7 +26437,7 @@
             </a:ln>
             <a:extLst>
               <a:ext uri="{91240B29-F687-4f45-9708-019B960494DF}">
-                <a14:hiddenLine xmlns="" xmlns:a16="http://schemas.microsoft.com/office/drawing/2014/main" xmlns:p14="http://schemas.microsoft.com/office/powerpoint/2010/main" xmlns:a14="http://schemas.microsoft.com/office/drawing/2010/main" w="9525">
+                <a14:hiddenLine xmlns:a14="http://schemas.microsoft.com/office/drawing/2010/main" xmlns:p14="http://schemas.microsoft.com/office/powerpoint/2010/main" xmlns:a16="http://schemas.microsoft.com/office/drawing/2014/main" xmlns="" w="9525">
                   <a:solidFill>
                     <a:srgbClr val="000000"/>
                   </a:solidFill>
@@ -26534,7 +26542,7 @@
             </a:ln>
             <a:extLst>
               <a:ext uri="{91240B29-F687-4f45-9708-019B960494DF}">
-                <a14:hiddenLine xmlns="" xmlns:a16="http://schemas.microsoft.com/office/drawing/2014/main" xmlns:p14="http://schemas.microsoft.com/office/powerpoint/2010/main" xmlns:a14="http://schemas.microsoft.com/office/drawing/2010/main" w="9525">
+                <a14:hiddenLine xmlns:a14="http://schemas.microsoft.com/office/drawing/2010/main" xmlns:p14="http://schemas.microsoft.com/office/powerpoint/2010/main" xmlns:a16="http://schemas.microsoft.com/office/drawing/2014/main" xmlns="" w="9525">
                   <a:solidFill>
                     <a:srgbClr val="000000"/>
                   </a:solidFill>
@@ -26639,7 +26647,7 @@
             </a:ln>
             <a:extLst>
               <a:ext uri="{91240B29-F687-4f45-9708-019B960494DF}">
-                <a14:hiddenLine xmlns="" xmlns:a16="http://schemas.microsoft.com/office/drawing/2014/main" xmlns:p14="http://schemas.microsoft.com/office/powerpoint/2010/main" xmlns:a14="http://schemas.microsoft.com/office/drawing/2010/main" w="9525">
+                <a14:hiddenLine xmlns:a14="http://schemas.microsoft.com/office/drawing/2010/main" xmlns:p14="http://schemas.microsoft.com/office/powerpoint/2010/main" xmlns:a16="http://schemas.microsoft.com/office/drawing/2014/main" xmlns="" w="9525">
                   <a:solidFill>
                     <a:srgbClr val="000000"/>
                   </a:solidFill>
@@ -26716,7 +26724,7 @@
             </a:ln>
             <a:extLst>
               <a:ext uri="{91240B29-F687-4f45-9708-019B960494DF}">
-                <a14:hiddenLine xmlns="" xmlns:a16="http://schemas.microsoft.com/office/drawing/2014/main" xmlns:p14="http://schemas.microsoft.com/office/powerpoint/2010/main" xmlns:a14="http://schemas.microsoft.com/office/drawing/2010/main" w="9525">
+                <a14:hiddenLine xmlns:a14="http://schemas.microsoft.com/office/drawing/2010/main" xmlns:p14="http://schemas.microsoft.com/office/powerpoint/2010/main" xmlns:a16="http://schemas.microsoft.com/office/drawing/2014/main" xmlns="" w="9525">
                   <a:solidFill>
                     <a:srgbClr val="000000"/>
                   </a:solidFill>
@@ -26851,7 +26859,7 @@
             </a:ln>
             <a:extLst>
               <a:ext uri="{91240B29-F687-4f45-9708-019B960494DF}">
-                <a14:hiddenLine xmlns="" xmlns:a16="http://schemas.microsoft.com/office/drawing/2014/main" xmlns:p14="http://schemas.microsoft.com/office/powerpoint/2010/main" xmlns:a14="http://schemas.microsoft.com/office/drawing/2010/main" w="9525">
+                <a14:hiddenLine xmlns:a14="http://schemas.microsoft.com/office/drawing/2010/main" xmlns:p14="http://schemas.microsoft.com/office/powerpoint/2010/main" xmlns:a16="http://schemas.microsoft.com/office/drawing/2014/main" xmlns="" w="9525">
                   <a:solidFill>
                     <a:srgbClr val="000000"/>
                   </a:solidFill>
@@ -26934,7 +26942,7 @@
             </a:ln>
             <a:extLst>
               <a:ext uri="{91240B29-F687-4f45-9708-019B960494DF}">
-                <a14:hiddenLine xmlns="" xmlns:a16="http://schemas.microsoft.com/office/drawing/2014/main" xmlns:p14="http://schemas.microsoft.com/office/powerpoint/2010/main" xmlns:a14="http://schemas.microsoft.com/office/drawing/2010/main" w="9525">
+                <a14:hiddenLine xmlns:a14="http://schemas.microsoft.com/office/drawing/2010/main" xmlns:p14="http://schemas.microsoft.com/office/powerpoint/2010/main" xmlns:a16="http://schemas.microsoft.com/office/drawing/2014/main" xmlns="" w="9525">
                   <a:solidFill>
                     <a:srgbClr val="000000"/>
                   </a:solidFill>
@@ -27039,7 +27047,7 @@
             </a:ln>
             <a:extLst>
               <a:ext uri="{91240B29-F687-4f45-9708-019B960494DF}">
-                <a14:hiddenLine xmlns="" xmlns:a16="http://schemas.microsoft.com/office/drawing/2014/main" xmlns:p14="http://schemas.microsoft.com/office/powerpoint/2010/main" xmlns:a14="http://schemas.microsoft.com/office/drawing/2010/main" w="9525">
+                <a14:hiddenLine xmlns:a14="http://schemas.microsoft.com/office/drawing/2010/main" xmlns:p14="http://schemas.microsoft.com/office/powerpoint/2010/main" xmlns:a16="http://schemas.microsoft.com/office/drawing/2014/main" xmlns="" w="9525">
                   <a:solidFill>
                     <a:srgbClr val="000000"/>
                   </a:solidFill>
